--- a/vi editor.pptx
+++ b/vi editor.pptx
@@ -26,7 +26,14 @@
     <p:sldId id="275" r:id="rId20"/>
     <p:sldId id="276" r:id="rId21"/>
     <p:sldId id="277" r:id="rId22"/>
-    <p:sldId id="260" r:id="rId23"/>
+    <p:sldId id="278" r:id="rId23"/>
+    <p:sldId id="279" r:id="rId24"/>
+    <p:sldId id="280" r:id="rId25"/>
+    <p:sldId id="281" r:id="rId26"/>
+    <p:sldId id="282" r:id="rId27"/>
+    <p:sldId id="283" r:id="rId28"/>
+    <p:sldId id="284" r:id="rId29"/>
+    <p:sldId id="260" r:id="rId30"/>
   </p:sldIdLst>
   <p:sldSz cx="12192000" cy="6858000"/>
   <p:notesSz cx="6858000" cy="9144000"/>
@@ -3365,7 +3372,7 @@
         </p:nvSpPr>
         <p:spPr/>
         <p:txBody>
-          <a:bodyPr/>
+          <a:bodyPr anchor="ctr"/>
           <a:lstStyle/>
           <a:p>
             <a:r>
@@ -3392,9 +3399,14 @@
             <p:ph type="subTitle" idx="1"/>
           </p:nvPr>
         </p:nvSpPr>
-        <p:spPr/>
+        <p:spPr>
+          <a:xfrm>
+            <a:off x="3598876" y="3602038"/>
+            <a:ext cx="7069123" cy="1655762"/>
+          </a:xfrm>
+        </p:spPr>
         <p:txBody>
-          <a:bodyPr/>
+          <a:bodyPr anchor="ctr"/>
           <a:lstStyle/>
           <a:p>
             <a:pPr marL="457200" indent="-457200">
@@ -3422,6 +3434,222 @@
               <a:rPr lang="ko-KR" altLang="en-US" dirty="0"/>
               <a:t>입문</a:t>
             </a:r>
+          </a:p>
+        </p:txBody>
+      </p:sp>
+      <p:cxnSp>
+        <p:nvCxnSpPr>
+          <p:cNvPr id="4" name="직선 연결선 3">
+            <a:extLst>
+              <a:ext uri="{FF2B5EF4-FFF2-40B4-BE49-F238E27FC236}">
+                <a16:creationId xmlns:a16="http://schemas.microsoft.com/office/drawing/2014/main" id="{6483D13A-DBF4-4C86-AC73-44701C6F4427}"/>
+              </a:ext>
+            </a:extLst>
+          </p:cNvPr>
+          <p:cNvCxnSpPr>
+            <a:cxnSpLocks/>
+          </p:cNvCxnSpPr>
+          <p:nvPr/>
+        </p:nvCxnSpPr>
+        <p:spPr>
+          <a:xfrm>
+            <a:off x="1073791" y="3509963"/>
+            <a:ext cx="10461071" cy="0"/>
+          </a:xfrm>
+          <a:prstGeom prst="line">
+            <a:avLst/>
+          </a:prstGeom>
+          <a:ln w="38100"/>
+        </p:spPr>
+        <p:style>
+          <a:lnRef idx="1">
+            <a:schemeClr val="accent1"/>
+          </a:lnRef>
+          <a:fillRef idx="0">
+            <a:schemeClr val="accent1"/>
+          </a:fillRef>
+          <a:effectRef idx="0">
+            <a:schemeClr val="accent1"/>
+          </a:effectRef>
+          <a:fontRef idx="minor">
+            <a:schemeClr val="tx1"/>
+          </a:fontRef>
+        </p:style>
+      </p:cxnSp>
+      <p:cxnSp>
+        <p:nvCxnSpPr>
+          <p:cNvPr id="7" name="직선 연결선 6">
+            <a:extLst>
+              <a:ext uri="{FF2B5EF4-FFF2-40B4-BE49-F238E27FC236}">
+                <a16:creationId xmlns:a16="http://schemas.microsoft.com/office/drawing/2014/main" id="{F06308D9-3954-4B64-9287-946B2A7A5FC4}"/>
+              </a:ext>
+            </a:extLst>
+          </p:cNvPr>
+          <p:cNvCxnSpPr>
+            <a:cxnSpLocks/>
+          </p:cNvCxnSpPr>
+          <p:nvPr/>
+        </p:nvCxnSpPr>
+        <p:spPr>
+          <a:xfrm flipH="1">
+            <a:off x="2732014" y="1479442"/>
+            <a:ext cx="1452695" cy="2479675"/>
+          </a:xfrm>
+          <a:prstGeom prst="line">
+            <a:avLst/>
+          </a:prstGeom>
+          <a:ln w="38100">
+            <a:solidFill>
+              <a:srgbClr val="00B050"/>
+            </a:solidFill>
+          </a:ln>
+        </p:spPr>
+        <p:style>
+          <a:lnRef idx="1">
+            <a:schemeClr val="accent1"/>
+          </a:lnRef>
+          <a:fillRef idx="0">
+            <a:schemeClr val="accent1"/>
+          </a:fillRef>
+          <a:effectRef idx="0">
+            <a:schemeClr val="accent1"/>
+          </a:effectRef>
+          <a:fontRef idx="minor">
+            <a:schemeClr val="tx1"/>
+          </a:fontRef>
+        </p:style>
+      </p:cxnSp>
+      <p:cxnSp>
+        <p:nvCxnSpPr>
+          <p:cNvPr id="8" name="직선 연결선 7">
+            <a:extLst>
+              <a:ext uri="{FF2B5EF4-FFF2-40B4-BE49-F238E27FC236}">
+                <a16:creationId xmlns:a16="http://schemas.microsoft.com/office/drawing/2014/main" id="{83165176-745B-46DA-BB7E-941749C05147}"/>
+              </a:ext>
+            </a:extLst>
+          </p:cNvPr>
+          <p:cNvCxnSpPr>
+            <a:cxnSpLocks/>
+          </p:cNvCxnSpPr>
+          <p:nvPr/>
+        </p:nvCxnSpPr>
+        <p:spPr>
+          <a:xfrm flipH="1">
+            <a:off x="5051571" y="3348037"/>
+            <a:ext cx="943942" cy="1611259"/>
+          </a:xfrm>
+          <a:prstGeom prst="line">
+            <a:avLst/>
+          </a:prstGeom>
+          <a:ln w="38100">
+            <a:solidFill>
+              <a:srgbClr val="00B050"/>
+            </a:solidFill>
+          </a:ln>
+        </p:spPr>
+        <p:style>
+          <a:lnRef idx="1">
+            <a:schemeClr val="accent1"/>
+          </a:lnRef>
+          <a:fillRef idx="0">
+            <a:schemeClr val="accent1"/>
+          </a:fillRef>
+          <a:effectRef idx="0">
+            <a:schemeClr val="accent1"/>
+          </a:effectRef>
+          <a:fontRef idx="minor">
+            <a:schemeClr val="tx1"/>
+          </a:fontRef>
+        </p:style>
+      </p:cxnSp>
+      <p:cxnSp>
+        <p:nvCxnSpPr>
+          <p:cNvPr id="12" name="직선 연결선 11">
+            <a:extLst>
+              <a:ext uri="{FF2B5EF4-FFF2-40B4-BE49-F238E27FC236}">
+                <a16:creationId xmlns:a16="http://schemas.microsoft.com/office/drawing/2014/main" id="{2A264B23-A94E-4BED-BB9B-D3EE9C3844B9}"/>
+              </a:ext>
+            </a:extLst>
+          </p:cNvPr>
+          <p:cNvCxnSpPr>
+            <a:cxnSpLocks/>
+          </p:cNvCxnSpPr>
+          <p:nvPr/>
+        </p:nvCxnSpPr>
+        <p:spPr>
+          <a:xfrm flipH="1">
+            <a:off x="9322816" y="2444969"/>
+            <a:ext cx="771638" cy="1317149"/>
+          </a:xfrm>
+          <a:prstGeom prst="line">
+            <a:avLst/>
+          </a:prstGeom>
+          <a:ln w="38100">
+            <a:solidFill>
+              <a:srgbClr val="00B050"/>
+            </a:solidFill>
+          </a:ln>
+        </p:spPr>
+        <p:style>
+          <a:lnRef idx="1">
+            <a:schemeClr val="accent1"/>
+          </a:lnRef>
+          <a:fillRef idx="0">
+            <a:schemeClr val="accent1"/>
+          </a:fillRef>
+          <a:effectRef idx="0">
+            <a:schemeClr val="accent1"/>
+          </a:effectRef>
+          <a:fontRef idx="minor">
+            <a:schemeClr val="tx1"/>
+          </a:fontRef>
+        </p:style>
+      </p:cxnSp>
+      <p:sp>
+        <p:nvSpPr>
+          <p:cNvPr id="14" name="TextBox 13">
+            <a:extLst>
+              <a:ext uri="{FF2B5EF4-FFF2-40B4-BE49-F238E27FC236}">
+                <a16:creationId xmlns:a16="http://schemas.microsoft.com/office/drawing/2014/main" id="{0E7FF726-4BE7-4CFC-B143-21A1C9C334A8}"/>
+              </a:ext>
+            </a:extLst>
+          </p:cNvPr>
+          <p:cNvSpPr txBox="1"/>
+          <p:nvPr/>
+        </p:nvSpPr>
+        <p:spPr>
+          <a:xfrm rot="18029001">
+            <a:off x="9640584" y="2422137"/>
+            <a:ext cx="1717137" cy="461665"/>
+          </a:xfrm>
+          <a:prstGeom prst="rect">
+            <a:avLst/>
+          </a:prstGeom>
+          <a:noFill/>
+        </p:spPr>
+        <p:txBody>
+          <a:bodyPr wrap="none" rtlCol="0">
+            <a:spAutoFit/>
+          </a:bodyPr>
+          <a:lstStyle/>
+          <a:p>
+            <a:r>
+              <a:rPr lang="en-US" altLang="ko-KR" sz="800" dirty="0"/>
+              <a:t>Ansan Technical High School</a:t>
+            </a:r>
+          </a:p>
+          <a:p>
+            <a:r>
+              <a:rPr lang="en-US" altLang="ko-KR" sz="800" dirty="0"/>
+              <a:t>Dept. Computer</a:t>
+            </a:r>
+          </a:p>
+          <a:p>
+            <a:r>
+              <a:rPr lang="en-US" altLang="ko-KR" sz="800" dirty="0"/>
+              <a:t>Made by kig2929kig@gmail.com</a:t>
+            </a:r>
+            <a:endParaRPr lang="ko-KR" altLang="en-US" sz="800" dirty="0"/>
           </a:p>
         </p:txBody>
       </p:sp>
@@ -3565,6 +3793,131 @@
           </a:effectLst>
         </p:spPr>
       </p:pic>
+      <p:cxnSp>
+        <p:nvCxnSpPr>
+          <p:cNvPr id="5" name="직선 연결선 4">
+            <a:extLst>
+              <a:ext uri="{FF2B5EF4-FFF2-40B4-BE49-F238E27FC236}">
+                <a16:creationId xmlns:a16="http://schemas.microsoft.com/office/drawing/2014/main" id="{3C3989C4-0F85-424A-851F-F3439D888C49}"/>
+              </a:ext>
+            </a:extLst>
+          </p:cNvPr>
+          <p:cNvCxnSpPr>
+            <a:cxnSpLocks/>
+          </p:cNvCxnSpPr>
+          <p:nvPr/>
+        </p:nvCxnSpPr>
+        <p:spPr>
+          <a:xfrm>
+            <a:off x="614801" y="1690688"/>
+            <a:ext cx="11180120" cy="0"/>
+          </a:xfrm>
+          <a:prstGeom prst="line">
+            <a:avLst/>
+          </a:prstGeom>
+          <a:ln w="38100"/>
+        </p:spPr>
+        <p:style>
+          <a:lnRef idx="1">
+            <a:schemeClr val="accent1"/>
+          </a:lnRef>
+          <a:fillRef idx="0">
+            <a:schemeClr val="accent1"/>
+          </a:fillRef>
+          <a:effectRef idx="0">
+            <a:schemeClr val="accent1"/>
+          </a:effectRef>
+          <a:fontRef idx="minor">
+            <a:schemeClr val="tx1"/>
+          </a:fontRef>
+        </p:style>
+      </p:cxnSp>
+      <p:cxnSp>
+        <p:nvCxnSpPr>
+          <p:cNvPr id="6" name="직선 연결선 5">
+            <a:extLst>
+              <a:ext uri="{FF2B5EF4-FFF2-40B4-BE49-F238E27FC236}">
+                <a16:creationId xmlns:a16="http://schemas.microsoft.com/office/drawing/2014/main" id="{6AA0A7CD-56AB-45EC-A913-38950EC39B1D}"/>
+              </a:ext>
+            </a:extLst>
+          </p:cNvPr>
+          <p:cNvCxnSpPr>
+            <a:cxnSpLocks/>
+          </p:cNvCxnSpPr>
+          <p:nvPr/>
+        </p:nvCxnSpPr>
+        <p:spPr>
+          <a:xfrm flipH="1">
+            <a:off x="214925" y="1536554"/>
+            <a:ext cx="652945" cy="1114542"/>
+          </a:xfrm>
+          <a:prstGeom prst="line">
+            <a:avLst/>
+          </a:prstGeom>
+          <a:ln w="38100">
+            <a:solidFill>
+              <a:srgbClr val="00B050"/>
+            </a:solidFill>
+          </a:ln>
+        </p:spPr>
+        <p:style>
+          <a:lnRef idx="1">
+            <a:schemeClr val="accent1"/>
+          </a:lnRef>
+          <a:fillRef idx="0">
+            <a:schemeClr val="accent1"/>
+          </a:fillRef>
+          <a:effectRef idx="0">
+            <a:schemeClr val="accent1"/>
+          </a:effectRef>
+          <a:fontRef idx="minor">
+            <a:schemeClr val="tx1"/>
+          </a:fontRef>
+        </p:style>
+      </p:cxnSp>
+      <p:cxnSp>
+        <p:nvCxnSpPr>
+          <p:cNvPr id="7" name="직선 연결선 6">
+            <a:extLst>
+              <a:ext uri="{FF2B5EF4-FFF2-40B4-BE49-F238E27FC236}">
+                <a16:creationId xmlns:a16="http://schemas.microsoft.com/office/drawing/2014/main" id="{FA58ED0F-BAAE-4E5B-ACB0-3303FC04DE04}"/>
+              </a:ext>
+            </a:extLst>
+          </p:cNvPr>
+          <p:cNvCxnSpPr>
+            <a:cxnSpLocks/>
+          </p:cNvCxnSpPr>
+          <p:nvPr/>
+        </p:nvCxnSpPr>
+        <p:spPr>
+          <a:xfrm flipH="1">
+            <a:off x="11480724" y="791244"/>
+            <a:ext cx="652945" cy="1114542"/>
+          </a:xfrm>
+          <a:prstGeom prst="line">
+            <a:avLst/>
+          </a:prstGeom>
+          <a:ln w="38100">
+            <a:solidFill>
+              <a:srgbClr val="00B050"/>
+            </a:solidFill>
+          </a:ln>
+        </p:spPr>
+        <p:style>
+          <a:lnRef idx="1">
+            <a:schemeClr val="accent1"/>
+          </a:lnRef>
+          <a:fillRef idx="0">
+            <a:schemeClr val="accent1"/>
+          </a:fillRef>
+          <a:effectRef idx="0">
+            <a:schemeClr val="accent1"/>
+          </a:effectRef>
+          <a:fontRef idx="minor">
+            <a:schemeClr val="tx1"/>
+          </a:fontRef>
+        </p:style>
+      </p:cxnSp>
     </p:spTree>
     <p:extLst>
       <p:ext uri="{BB962C8B-B14F-4D97-AF65-F5344CB8AC3E}">
@@ -3743,6 +4096,131 @@
           </a:effectLst>
         </p:spPr>
       </p:pic>
+      <p:cxnSp>
+        <p:nvCxnSpPr>
+          <p:cNvPr id="5" name="직선 연결선 4">
+            <a:extLst>
+              <a:ext uri="{FF2B5EF4-FFF2-40B4-BE49-F238E27FC236}">
+                <a16:creationId xmlns:a16="http://schemas.microsoft.com/office/drawing/2014/main" id="{21870468-1A89-4E49-8673-4069821724D0}"/>
+              </a:ext>
+            </a:extLst>
+          </p:cNvPr>
+          <p:cNvCxnSpPr>
+            <a:cxnSpLocks/>
+          </p:cNvCxnSpPr>
+          <p:nvPr/>
+        </p:nvCxnSpPr>
+        <p:spPr>
+          <a:xfrm>
+            <a:off x="614801" y="1690688"/>
+            <a:ext cx="11180120" cy="0"/>
+          </a:xfrm>
+          <a:prstGeom prst="line">
+            <a:avLst/>
+          </a:prstGeom>
+          <a:ln w="38100"/>
+        </p:spPr>
+        <p:style>
+          <a:lnRef idx="1">
+            <a:schemeClr val="accent1"/>
+          </a:lnRef>
+          <a:fillRef idx="0">
+            <a:schemeClr val="accent1"/>
+          </a:fillRef>
+          <a:effectRef idx="0">
+            <a:schemeClr val="accent1"/>
+          </a:effectRef>
+          <a:fontRef idx="minor">
+            <a:schemeClr val="tx1"/>
+          </a:fontRef>
+        </p:style>
+      </p:cxnSp>
+      <p:cxnSp>
+        <p:nvCxnSpPr>
+          <p:cNvPr id="6" name="직선 연결선 5">
+            <a:extLst>
+              <a:ext uri="{FF2B5EF4-FFF2-40B4-BE49-F238E27FC236}">
+                <a16:creationId xmlns:a16="http://schemas.microsoft.com/office/drawing/2014/main" id="{724A28A9-E5C8-4F4E-9D92-E53830EC6C52}"/>
+              </a:ext>
+            </a:extLst>
+          </p:cNvPr>
+          <p:cNvCxnSpPr>
+            <a:cxnSpLocks/>
+          </p:cNvCxnSpPr>
+          <p:nvPr/>
+        </p:nvCxnSpPr>
+        <p:spPr>
+          <a:xfrm flipH="1">
+            <a:off x="214925" y="1536554"/>
+            <a:ext cx="652945" cy="1114542"/>
+          </a:xfrm>
+          <a:prstGeom prst="line">
+            <a:avLst/>
+          </a:prstGeom>
+          <a:ln w="38100">
+            <a:solidFill>
+              <a:srgbClr val="00B050"/>
+            </a:solidFill>
+          </a:ln>
+        </p:spPr>
+        <p:style>
+          <a:lnRef idx="1">
+            <a:schemeClr val="accent1"/>
+          </a:lnRef>
+          <a:fillRef idx="0">
+            <a:schemeClr val="accent1"/>
+          </a:fillRef>
+          <a:effectRef idx="0">
+            <a:schemeClr val="accent1"/>
+          </a:effectRef>
+          <a:fontRef idx="minor">
+            <a:schemeClr val="tx1"/>
+          </a:fontRef>
+        </p:style>
+      </p:cxnSp>
+      <p:cxnSp>
+        <p:nvCxnSpPr>
+          <p:cNvPr id="7" name="직선 연결선 6">
+            <a:extLst>
+              <a:ext uri="{FF2B5EF4-FFF2-40B4-BE49-F238E27FC236}">
+                <a16:creationId xmlns:a16="http://schemas.microsoft.com/office/drawing/2014/main" id="{D2E11AE3-B908-4066-8B40-CD1C5D72A4A5}"/>
+              </a:ext>
+            </a:extLst>
+          </p:cNvPr>
+          <p:cNvCxnSpPr>
+            <a:cxnSpLocks/>
+          </p:cNvCxnSpPr>
+          <p:nvPr/>
+        </p:nvCxnSpPr>
+        <p:spPr>
+          <a:xfrm flipH="1">
+            <a:off x="11480724" y="791244"/>
+            <a:ext cx="652945" cy="1114542"/>
+          </a:xfrm>
+          <a:prstGeom prst="line">
+            <a:avLst/>
+          </a:prstGeom>
+          <a:ln w="38100">
+            <a:solidFill>
+              <a:srgbClr val="00B050"/>
+            </a:solidFill>
+          </a:ln>
+        </p:spPr>
+        <p:style>
+          <a:lnRef idx="1">
+            <a:schemeClr val="accent1"/>
+          </a:lnRef>
+          <a:fillRef idx="0">
+            <a:schemeClr val="accent1"/>
+          </a:fillRef>
+          <a:effectRef idx="0">
+            <a:schemeClr val="accent1"/>
+          </a:effectRef>
+          <a:fontRef idx="minor">
+            <a:schemeClr val="tx1"/>
+          </a:fontRef>
+        </p:style>
+      </p:cxnSp>
     </p:spTree>
     <p:extLst>
       <p:ext uri="{BB962C8B-B14F-4D97-AF65-F5344CB8AC3E}">
@@ -3893,6 +4371,131 @@
           </a:effectLst>
         </p:spPr>
       </p:pic>
+      <p:cxnSp>
+        <p:nvCxnSpPr>
+          <p:cNvPr id="5" name="직선 연결선 4">
+            <a:extLst>
+              <a:ext uri="{FF2B5EF4-FFF2-40B4-BE49-F238E27FC236}">
+                <a16:creationId xmlns:a16="http://schemas.microsoft.com/office/drawing/2014/main" id="{E0EF0592-9D34-42C0-937A-CF6AF9A82CA2}"/>
+              </a:ext>
+            </a:extLst>
+          </p:cNvPr>
+          <p:cNvCxnSpPr>
+            <a:cxnSpLocks/>
+          </p:cNvCxnSpPr>
+          <p:nvPr/>
+        </p:nvCxnSpPr>
+        <p:spPr>
+          <a:xfrm>
+            <a:off x="614801" y="1690688"/>
+            <a:ext cx="11180120" cy="0"/>
+          </a:xfrm>
+          <a:prstGeom prst="line">
+            <a:avLst/>
+          </a:prstGeom>
+          <a:ln w="38100"/>
+        </p:spPr>
+        <p:style>
+          <a:lnRef idx="1">
+            <a:schemeClr val="accent1"/>
+          </a:lnRef>
+          <a:fillRef idx="0">
+            <a:schemeClr val="accent1"/>
+          </a:fillRef>
+          <a:effectRef idx="0">
+            <a:schemeClr val="accent1"/>
+          </a:effectRef>
+          <a:fontRef idx="minor">
+            <a:schemeClr val="tx1"/>
+          </a:fontRef>
+        </p:style>
+      </p:cxnSp>
+      <p:cxnSp>
+        <p:nvCxnSpPr>
+          <p:cNvPr id="6" name="직선 연결선 5">
+            <a:extLst>
+              <a:ext uri="{FF2B5EF4-FFF2-40B4-BE49-F238E27FC236}">
+                <a16:creationId xmlns:a16="http://schemas.microsoft.com/office/drawing/2014/main" id="{864BAD33-65E0-40E5-A3DE-D293764B4E38}"/>
+              </a:ext>
+            </a:extLst>
+          </p:cNvPr>
+          <p:cNvCxnSpPr>
+            <a:cxnSpLocks/>
+          </p:cNvCxnSpPr>
+          <p:nvPr/>
+        </p:nvCxnSpPr>
+        <p:spPr>
+          <a:xfrm flipH="1">
+            <a:off x="214925" y="1536554"/>
+            <a:ext cx="652945" cy="1114542"/>
+          </a:xfrm>
+          <a:prstGeom prst="line">
+            <a:avLst/>
+          </a:prstGeom>
+          <a:ln w="38100">
+            <a:solidFill>
+              <a:srgbClr val="00B050"/>
+            </a:solidFill>
+          </a:ln>
+        </p:spPr>
+        <p:style>
+          <a:lnRef idx="1">
+            <a:schemeClr val="accent1"/>
+          </a:lnRef>
+          <a:fillRef idx="0">
+            <a:schemeClr val="accent1"/>
+          </a:fillRef>
+          <a:effectRef idx="0">
+            <a:schemeClr val="accent1"/>
+          </a:effectRef>
+          <a:fontRef idx="minor">
+            <a:schemeClr val="tx1"/>
+          </a:fontRef>
+        </p:style>
+      </p:cxnSp>
+      <p:cxnSp>
+        <p:nvCxnSpPr>
+          <p:cNvPr id="7" name="직선 연결선 6">
+            <a:extLst>
+              <a:ext uri="{FF2B5EF4-FFF2-40B4-BE49-F238E27FC236}">
+                <a16:creationId xmlns:a16="http://schemas.microsoft.com/office/drawing/2014/main" id="{F3F8791D-D768-4F35-B045-96CAADDB00EB}"/>
+              </a:ext>
+            </a:extLst>
+          </p:cNvPr>
+          <p:cNvCxnSpPr>
+            <a:cxnSpLocks/>
+          </p:cNvCxnSpPr>
+          <p:nvPr/>
+        </p:nvCxnSpPr>
+        <p:spPr>
+          <a:xfrm flipH="1">
+            <a:off x="11480724" y="791244"/>
+            <a:ext cx="652945" cy="1114542"/>
+          </a:xfrm>
+          <a:prstGeom prst="line">
+            <a:avLst/>
+          </a:prstGeom>
+          <a:ln w="38100">
+            <a:solidFill>
+              <a:srgbClr val="00B050"/>
+            </a:solidFill>
+          </a:ln>
+        </p:spPr>
+        <p:style>
+          <a:lnRef idx="1">
+            <a:schemeClr val="accent1"/>
+          </a:lnRef>
+          <a:fillRef idx="0">
+            <a:schemeClr val="accent1"/>
+          </a:fillRef>
+          <a:effectRef idx="0">
+            <a:schemeClr val="accent1"/>
+          </a:effectRef>
+          <a:fontRef idx="minor">
+            <a:schemeClr val="tx1"/>
+          </a:fontRef>
+        </p:style>
+      </p:cxnSp>
     </p:spTree>
     <p:extLst>
       <p:ext uri="{BB962C8B-B14F-4D97-AF65-F5344CB8AC3E}">
@@ -4251,6 +4854,131 @@
           </a:p>
         </p:txBody>
       </p:sp>
+      <p:cxnSp>
+        <p:nvCxnSpPr>
+          <p:cNvPr id="6" name="직선 연결선 5">
+            <a:extLst>
+              <a:ext uri="{FF2B5EF4-FFF2-40B4-BE49-F238E27FC236}">
+                <a16:creationId xmlns:a16="http://schemas.microsoft.com/office/drawing/2014/main" id="{01AFEF51-942E-499C-B4F4-1D2BA0CB5BCE}"/>
+              </a:ext>
+            </a:extLst>
+          </p:cNvPr>
+          <p:cNvCxnSpPr>
+            <a:cxnSpLocks/>
+          </p:cNvCxnSpPr>
+          <p:nvPr/>
+        </p:nvCxnSpPr>
+        <p:spPr>
+          <a:xfrm>
+            <a:off x="614801" y="1690688"/>
+            <a:ext cx="11180120" cy="0"/>
+          </a:xfrm>
+          <a:prstGeom prst="line">
+            <a:avLst/>
+          </a:prstGeom>
+          <a:ln w="38100"/>
+        </p:spPr>
+        <p:style>
+          <a:lnRef idx="1">
+            <a:schemeClr val="accent1"/>
+          </a:lnRef>
+          <a:fillRef idx="0">
+            <a:schemeClr val="accent1"/>
+          </a:fillRef>
+          <a:effectRef idx="0">
+            <a:schemeClr val="accent1"/>
+          </a:effectRef>
+          <a:fontRef idx="minor">
+            <a:schemeClr val="tx1"/>
+          </a:fontRef>
+        </p:style>
+      </p:cxnSp>
+      <p:cxnSp>
+        <p:nvCxnSpPr>
+          <p:cNvPr id="7" name="직선 연결선 6">
+            <a:extLst>
+              <a:ext uri="{FF2B5EF4-FFF2-40B4-BE49-F238E27FC236}">
+                <a16:creationId xmlns:a16="http://schemas.microsoft.com/office/drawing/2014/main" id="{BD08B03E-792B-434C-AE3F-CC141CA148BB}"/>
+              </a:ext>
+            </a:extLst>
+          </p:cNvPr>
+          <p:cNvCxnSpPr>
+            <a:cxnSpLocks/>
+          </p:cNvCxnSpPr>
+          <p:nvPr/>
+        </p:nvCxnSpPr>
+        <p:spPr>
+          <a:xfrm flipH="1">
+            <a:off x="214925" y="1536554"/>
+            <a:ext cx="652945" cy="1114542"/>
+          </a:xfrm>
+          <a:prstGeom prst="line">
+            <a:avLst/>
+          </a:prstGeom>
+          <a:ln w="38100">
+            <a:solidFill>
+              <a:srgbClr val="00B050"/>
+            </a:solidFill>
+          </a:ln>
+        </p:spPr>
+        <p:style>
+          <a:lnRef idx="1">
+            <a:schemeClr val="accent1"/>
+          </a:lnRef>
+          <a:fillRef idx="0">
+            <a:schemeClr val="accent1"/>
+          </a:fillRef>
+          <a:effectRef idx="0">
+            <a:schemeClr val="accent1"/>
+          </a:effectRef>
+          <a:fontRef idx="minor">
+            <a:schemeClr val="tx1"/>
+          </a:fontRef>
+        </p:style>
+      </p:cxnSp>
+      <p:cxnSp>
+        <p:nvCxnSpPr>
+          <p:cNvPr id="8" name="직선 연결선 7">
+            <a:extLst>
+              <a:ext uri="{FF2B5EF4-FFF2-40B4-BE49-F238E27FC236}">
+                <a16:creationId xmlns:a16="http://schemas.microsoft.com/office/drawing/2014/main" id="{009DFC48-3F42-427F-A7FF-6F07EDE789A9}"/>
+              </a:ext>
+            </a:extLst>
+          </p:cNvPr>
+          <p:cNvCxnSpPr>
+            <a:cxnSpLocks/>
+          </p:cNvCxnSpPr>
+          <p:nvPr/>
+        </p:nvCxnSpPr>
+        <p:spPr>
+          <a:xfrm flipH="1">
+            <a:off x="11480724" y="791244"/>
+            <a:ext cx="652945" cy="1114542"/>
+          </a:xfrm>
+          <a:prstGeom prst="line">
+            <a:avLst/>
+          </a:prstGeom>
+          <a:ln w="38100">
+            <a:solidFill>
+              <a:srgbClr val="00B050"/>
+            </a:solidFill>
+          </a:ln>
+        </p:spPr>
+        <p:style>
+          <a:lnRef idx="1">
+            <a:schemeClr val="accent1"/>
+          </a:lnRef>
+          <a:fillRef idx="0">
+            <a:schemeClr val="accent1"/>
+          </a:fillRef>
+          <a:effectRef idx="0">
+            <a:schemeClr val="accent1"/>
+          </a:effectRef>
+          <a:fontRef idx="minor">
+            <a:schemeClr val="tx1"/>
+          </a:fontRef>
+        </p:style>
+      </p:cxnSp>
     </p:spTree>
     <p:extLst>
       <p:ext uri="{BB962C8B-B14F-4D97-AF65-F5344CB8AC3E}">
@@ -4444,6 +5172,131 @@
           </a:effectLst>
         </p:spPr>
       </p:pic>
+      <p:cxnSp>
+        <p:nvCxnSpPr>
+          <p:cNvPr id="5" name="직선 연결선 4">
+            <a:extLst>
+              <a:ext uri="{FF2B5EF4-FFF2-40B4-BE49-F238E27FC236}">
+                <a16:creationId xmlns:a16="http://schemas.microsoft.com/office/drawing/2014/main" id="{E832A35A-AD31-4F0F-9CAD-93AD9C83FF16}"/>
+              </a:ext>
+            </a:extLst>
+          </p:cNvPr>
+          <p:cNvCxnSpPr>
+            <a:cxnSpLocks/>
+          </p:cNvCxnSpPr>
+          <p:nvPr/>
+        </p:nvCxnSpPr>
+        <p:spPr>
+          <a:xfrm>
+            <a:off x="614801" y="1690688"/>
+            <a:ext cx="11180120" cy="0"/>
+          </a:xfrm>
+          <a:prstGeom prst="line">
+            <a:avLst/>
+          </a:prstGeom>
+          <a:ln w="38100"/>
+        </p:spPr>
+        <p:style>
+          <a:lnRef idx="1">
+            <a:schemeClr val="accent1"/>
+          </a:lnRef>
+          <a:fillRef idx="0">
+            <a:schemeClr val="accent1"/>
+          </a:fillRef>
+          <a:effectRef idx="0">
+            <a:schemeClr val="accent1"/>
+          </a:effectRef>
+          <a:fontRef idx="minor">
+            <a:schemeClr val="tx1"/>
+          </a:fontRef>
+        </p:style>
+      </p:cxnSp>
+      <p:cxnSp>
+        <p:nvCxnSpPr>
+          <p:cNvPr id="6" name="직선 연결선 5">
+            <a:extLst>
+              <a:ext uri="{FF2B5EF4-FFF2-40B4-BE49-F238E27FC236}">
+                <a16:creationId xmlns:a16="http://schemas.microsoft.com/office/drawing/2014/main" id="{64828D2E-8A67-4272-AA19-F9F30053F617}"/>
+              </a:ext>
+            </a:extLst>
+          </p:cNvPr>
+          <p:cNvCxnSpPr>
+            <a:cxnSpLocks/>
+          </p:cNvCxnSpPr>
+          <p:nvPr/>
+        </p:nvCxnSpPr>
+        <p:spPr>
+          <a:xfrm flipH="1">
+            <a:off x="214925" y="1536554"/>
+            <a:ext cx="652945" cy="1114542"/>
+          </a:xfrm>
+          <a:prstGeom prst="line">
+            <a:avLst/>
+          </a:prstGeom>
+          <a:ln w="38100">
+            <a:solidFill>
+              <a:srgbClr val="00B050"/>
+            </a:solidFill>
+          </a:ln>
+        </p:spPr>
+        <p:style>
+          <a:lnRef idx="1">
+            <a:schemeClr val="accent1"/>
+          </a:lnRef>
+          <a:fillRef idx="0">
+            <a:schemeClr val="accent1"/>
+          </a:fillRef>
+          <a:effectRef idx="0">
+            <a:schemeClr val="accent1"/>
+          </a:effectRef>
+          <a:fontRef idx="minor">
+            <a:schemeClr val="tx1"/>
+          </a:fontRef>
+        </p:style>
+      </p:cxnSp>
+      <p:cxnSp>
+        <p:nvCxnSpPr>
+          <p:cNvPr id="7" name="직선 연결선 6">
+            <a:extLst>
+              <a:ext uri="{FF2B5EF4-FFF2-40B4-BE49-F238E27FC236}">
+                <a16:creationId xmlns:a16="http://schemas.microsoft.com/office/drawing/2014/main" id="{60448771-9657-45CB-9316-1B1F15177F1D}"/>
+              </a:ext>
+            </a:extLst>
+          </p:cNvPr>
+          <p:cNvCxnSpPr>
+            <a:cxnSpLocks/>
+          </p:cNvCxnSpPr>
+          <p:nvPr/>
+        </p:nvCxnSpPr>
+        <p:spPr>
+          <a:xfrm flipH="1">
+            <a:off x="11480724" y="791244"/>
+            <a:ext cx="652945" cy="1114542"/>
+          </a:xfrm>
+          <a:prstGeom prst="line">
+            <a:avLst/>
+          </a:prstGeom>
+          <a:ln w="38100">
+            <a:solidFill>
+              <a:srgbClr val="00B050"/>
+            </a:solidFill>
+          </a:ln>
+        </p:spPr>
+        <p:style>
+          <a:lnRef idx="1">
+            <a:schemeClr val="accent1"/>
+          </a:lnRef>
+          <a:fillRef idx="0">
+            <a:schemeClr val="accent1"/>
+          </a:fillRef>
+          <a:effectRef idx="0">
+            <a:schemeClr val="accent1"/>
+          </a:effectRef>
+          <a:fontRef idx="minor">
+            <a:schemeClr val="tx1"/>
+          </a:fontRef>
+        </p:style>
+      </p:cxnSp>
     </p:spTree>
     <p:extLst>
       <p:ext uri="{BB962C8B-B14F-4D97-AF65-F5344CB8AC3E}">
@@ -4610,6 +5463,131 @@
           </a:effectLst>
         </p:spPr>
       </p:pic>
+      <p:cxnSp>
+        <p:nvCxnSpPr>
+          <p:cNvPr id="5" name="직선 연결선 4">
+            <a:extLst>
+              <a:ext uri="{FF2B5EF4-FFF2-40B4-BE49-F238E27FC236}">
+                <a16:creationId xmlns:a16="http://schemas.microsoft.com/office/drawing/2014/main" id="{07F5E421-2BE5-4F8B-8B75-902AE4BCD722}"/>
+              </a:ext>
+            </a:extLst>
+          </p:cNvPr>
+          <p:cNvCxnSpPr>
+            <a:cxnSpLocks/>
+          </p:cNvCxnSpPr>
+          <p:nvPr/>
+        </p:nvCxnSpPr>
+        <p:spPr>
+          <a:xfrm>
+            <a:off x="614801" y="1690688"/>
+            <a:ext cx="11180120" cy="0"/>
+          </a:xfrm>
+          <a:prstGeom prst="line">
+            <a:avLst/>
+          </a:prstGeom>
+          <a:ln w="38100"/>
+        </p:spPr>
+        <p:style>
+          <a:lnRef idx="1">
+            <a:schemeClr val="accent1"/>
+          </a:lnRef>
+          <a:fillRef idx="0">
+            <a:schemeClr val="accent1"/>
+          </a:fillRef>
+          <a:effectRef idx="0">
+            <a:schemeClr val="accent1"/>
+          </a:effectRef>
+          <a:fontRef idx="minor">
+            <a:schemeClr val="tx1"/>
+          </a:fontRef>
+        </p:style>
+      </p:cxnSp>
+      <p:cxnSp>
+        <p:nvCxnSpPr>
+          <p:cNvPr id="6" name="직선 연결선 5">
+            <a:extLst>
+              <a:ext uri="{FF2B5EF4-FFF2-40B4-BE49-F238E27FC236}">
+                <a16:creationId xmlns:a16="http://schemas.microsoft.com/office/drawing/2014/main" id="{FAFEE82B-B70B-4240-9A08-0D87EE793C35}"/>
+              </a:ext>
+            </a:extLst>
+          </p:cNvPr>
+          <p:cNvCxnSpPr>
+            <a:cxnSpLocks/>
+          </p:cNvCxnSpPr>
+          <p:nvPr/>
+        </p:nvCxnSpPr>
+        <p:spPr>
+          <a:xfrm flipH="1">
+            <a:off x="214925" y="1536554"/>
+            <a:ext cx="652945" cy="1114542"/>
+          </a:xfrm>
+          <a:prstGeom prst="line">
+            <a:avLst/>
+          </a:prstGeom>
+          <a:ln w="38100">
+            <a:solidFill>
+              <a:srgbClr val="00B050"/>
+            </a:solidFill>
+          </a:ln>
+        </p:spPr>
+        <p:style>
+          <a:lnRef idx="1">
+            <a:schemeClr val="accent1"/>
+          </a:lnRef>
+          <a:fillRef idx="0">
+            <a:schemeClr val="accent1"/>
+          </a:fillRef>
+          <a:effectRef idx="0">
+            <a:schemeClr val="accent1"/>
+          </a:effectRef>
+          <a:fontRef idx="minor">
+            <a:schemeClr val="tx1"/>
+          </a:fontRef>
+        </p:style>
+      </p:cxnSp>
+      <p:cxnSp>
+        <p:nvCxnSpPr>
+          <p:cNvPr id="7" name="직선 연결선 6">
+            <a:extLst>
+              <a:ext uri="{FF2B5EF4-FFF2-40B4-BE49-F238E27FC236}">
+                <a16:creationId xmlns:a16="http://schemas.microsoft.com/office/drawing/2014/main" id="{8C4A0A6A-96D6-4572-B841-C3407CF275E2}"/>
+              </a:ext>
+            </a:extLst>
+          </p:cNvPr>
+          <p:cNvCxnSpPr>
+            <a:cxnSpLocks/>
+          </p:cNvCxnSpPr>
+          <p:nvPr/>
+        </p:nvCxnSpPr>
+        <p:spPr>
+          <a:xfrm flipH="1">
+            <a:off x="11480724" y="791244"/>
+            <a:ext cx="652945" cy="1114542"/>
+          </a:xfrm>
+          <a:prstGeom prst="line">
+            <a:avLst/>
+          </a:prstGeom>
+          <a:ln w="38100">
+            <a:solidFill>
+              <a:srgbClr val="00B050"/>
+            </a:solidFill>
+          </a:ln>
+        </p:spPr>
+        <p:style>
+          <a:lnRef idx="1">
+            <a:schemeClr val="accent1"/>
+          </a:lnRef>
+          <a:fillRef idx="0">
+            <a:schemeClr val="accent1"/>
+          </a:fillRef>
+          <a:effectRef idx="0">
+            <a:schemeClr val="accent1"/>
+          </a:effectRef>
+          <a:fontRef idx="minor">
+            <a:schemeClr val="tx1"/>
+          </a:fontRef>
+        </p:style>
+      </p:cxnSp>
     </p:spTree>
     <p:extLst>
       <p:ext uri="{BB962C8B-B14F-4D97-AF65-F5344CB8AC3E}">
@@ -4756,6 +5734,131 @@
           </a:effectLst>
         </p:spPr>
       </p:pic>
+      <p:cxnSp>
+        <p:nvCxnSpPr>
+          <p:cNvPr id="5" name="직선 연결선 4">
+            <a:extLst>
+              <a:ext uri="{FF2B5EF4-FFF2-40B4-BE49-F238E27FC236}">
+                <a16:creationId xmlns:a16="http://schemas.microsoft.com/office/drawing/2014/main" id="{DC90EBC3-9299-4C97-AD98-D995DF4DF307}"/>
+              </a:ext>
+            </a:extLst>
+          </p:cNvPr>
+          <p:cNvCxnSpPr>
+            <a:cxnSpLocks/>
+          </p:cNvCxnSpPr>
+          <p:nvPr/>
+        </p:nvCxnSpPr>
+        <p:spPr>
+          <a:xfrm>
+            <a:off x="614801" y="1690688"/>
+            <a:ext cx="11180120" cy="0"/>
+          </a:xfrm>
+          <a:prstGeom prst="line">
+            <a:avLst/>
+          </a:prstGeom>
+          <a:ln w="38100"/>
+        </p:spPr>
+        <p:style>
+          <a:lnRef idx="1">
+            <a:schemeClr val="accent1"/>
+          </a:lnRef>
+          <a:fillRef idx="0">
+            <a:schemeClr val="accent1"/>
+          </a:fillRef>
+          <a:effectRef idx="0">
+            <a:schemeClr val="accent1"/>
+          </a:effectRef>
+          <a:fontRef idx="minor">
+            <a:schemeClr val="tx1"/>
+          </a:fontRef>
+        </p:style>
+      </p:cxnSp>
+      <p:cxnSp>
+        <p:nvCxnSpPr>
+          <p:cNvPr id="6" name="직선 연결선 5">
+            <a:extLst>
+              <a:ext uri="{FF2B5EF4-FFF2-40B4-BE49-F238E27FC236}">
+                <a16:creationId xmlns:a16="http://schemas.microsoft.com/office/drawing/2014/main" id="{13D1C67A-FEAB-4642-B2FF-D36B60B97A0D}"/>
+              </a:ext>
+            </a:extLst>
+          </p:cNvPr>
+          <p:cNvCxnSpPr>
+            <a:cxnSpLocks/>
+          </p:cNvCxnSpPr>
+          <p:nvPr/>
+        </p:nvCxnSpPr>
+        <p:spPr>
+          <a:xfrm flipH="1">
+            <a:off x="214925" y="1536554"/>
+            <a:ext cx="652945" cy="1114542"/>
+          </a:xfrm>
+          <a:prstGeom prst="line">
+            <a:avLst/>
+          </a:prstGeom>
+          <a:ln w="38100">
+            <a:solidFill>
+              <a:srgbClr val="00B050"/>
+            </a:solidFill>
+          </a:ln>
+        </p:spPr>
+        <p:style>
+          <a:lnRef idx="1">
+            <a:schemeClr val="accent1"/>
+          </a:lnRef>
+          <a:fillRef idx="0">
+            <a:schemeClr val="accent1"/>
+          </a:fillRef>
+          <a:effectRef idx="0">
+            <a:schemeClr val="accent1"/>
+          </a:effectRef>
+          <a:fontRef idx="minor">
+            <a:schemeClr val="tx1"/>
+          </a:fontRef>
+        </p:style>
+      </p:cxnSp>
+      <p:cxnSp>
+        <p:nvCxnSpPr>
+          <p:cNvPr id="7" name="직선 연결선 6">
+            <a:extLst>
+              <a:ext uri="{FF2B5EF4-FFF2-40B4-BE49-F238E27FC236}">
+                <a16:creationId xmlns:a16="http://schemas.microsoft.com/office/drawing/2014/main" id="{9BFC3CF1-3088-46ED-BBDF-F6E8535AD258}"/>
+              </a:ext>
+            </a:extLst>
+          </p:cNvPr>
+          <p:cNvCxnSpPr>
+            <a:cxnSpLocks/>
+          </p:cNvCxnSpPr>
+          <p:nvPr/>
+        </p:nvCxnSpPr>
+        <p:spPr>
+          <a:xfrm flipH="1">
+            <a:off x="11480724" y="791244"/>
+            <a:ext cx="652945" cy="1114542"/>
+          </a:xfrm>
+          <a:prstGeom prst="line">
+            <a:avLst/>
+          </a:prstGeom>
+          <a:ln w="38100">
+            <a:solidFill>
+              <a:srgbClr val="00B050"/>
+            </a:solidFill>
+          </a:ln>
+        </p:spPr>
+        <p:style>
+          <a:lnRef idx="1">
+            <a:schemeClr val="accent1"/>
+          </a:lnRef>
+          <a:fillRef idx="0">
+            <a:schemeClr val="accent1"/>
+          </a:fillRef>
+          <a:effectRef idx="0">
+            <a:schemeClr val="accent1"/>
+          </a:effectRef>
+          <a:fontRef idx="minor">
+            <a:schemeClr val="tx1"/>
+          </a:fontRef>
+        </p:style>
+      </p:cxnSp>
     </p:spTree>
     <p:extLst>
       <p:ext uri="{BB962C8B-B14F-4D97-AF65-F5344CB8AC3E}">
@@ -4909,6 +6012,131 @@
           </a:effectLst>
         </p:spPr>
       </p:pic>
+      <p:cxnSp>
+        <p:nvCxnSpPr>
+          <p:cNvPr id="5" name="직선 연결선 4">
+            <a:extLst>
+              <a:ext uri="{FF2B5EF4-FFF2-40B4-BE49-F238E27FC236}">
+                <a16:creationId xmlns:a16="http://schemas.microsoft.com/office/drawing/2014/main" id="{FFB32486-13CD-414B-8981-B350FD8A45D5}"/>
+              </a:ext>
+            </a:extLst>
+          </p:cNvPr>
+          <p:cNvCxnSpPr>
+            <a:cxnSpLocks/>
+          </p:cNvCxnSpPr>
+          <p:nvPr/>
+        </p:nvCxnSpPr>
+        <p:spPr>
+          <a:xfrm>
+            <a:off x="614801" y="1690688"/>
+            <a:ext cx="11180120" cy="0"/>
+          </a:xfrm>
+          <a:prstGeom prst="line">
+            <a:avLst/>
+          </a:prstGeom>
+          <a:ln w="38100"/>
+        </p:spPr>
+        <p:style>
+          <a:lnRef idx="1">
+            <a:schemeClr val="accent1"/>
+          </a:lnRef>
+          <a:fillRef idx="0">
+            <a:schemeClr val="accent1"/>
+          </a:fillRef>
+          <a:effectRef idx="0">
+            <a:schemeClr val="accent1"/>
+          </a:effectRef>
+          <a:fontRef idx="minor">
+            <a:schemeClr val="tx1"/>
+          </a:fontRef>
+        </p:style>
+      </p:cxnSp>
+      <p:cxnSp>
+        <p:nvCxnSpPr>
+          <p:cNvPr id="6" name="직선 연결선 5">
+            <a:extLst>
+              <a:ext uri="{FF2B5EF4-FFF2-40B4-BE49-F238E27FC236}">
+                <a16:creationId xmlns:a16="http://schemas.microsoft.com/office/drawing/2014/main" id="{FCBDDCF7-3C2C-4F5C-A0B9-E0D43691E41C}"/>
+              </a:ext>
+            </a:extLst>
+          </p:cNvPr>
+          <p:cNvCxnSpPr>
+            <a:cxnSpLocks/>
+          </p:cNvCxnSpPr>
+          <p:nvPr/>
+        </p:nvCxnSpPr>
+        <p:spPr>
+          <a:xfrm flipH="1">
+            <a:off x="214925" y="1536554"/>
+            <a:ext cx="652945" cy="1114542"/>
+          </a:xfrm>
+          <a:prstGeom prst="line">
+            <a:avLst/>
+          </a:prstGeom>
+          <a:ln w="38100">
+            <a:solidFill>
+              <a:srgbClr val="00B050"/>
+            </a:solidFill>
+          </a:ln>
+        </p:spPr>
+        <p:style>
+          <a:lnRef idx="1">
+            <a:schemeClr val="accent1"/>
+          </a:lnRef>
+          <a:fillRef idx="0">
+            <a:schemeClr val="accent1"/>
+          </a:fillRef>
+          <a:effectRef idx="0">
+            <a:schemeClr val="accent1"/>
+          </a:effectRef>
+          <a:fontRef idx="minor">
+            <a:schemeClr val="tx1"/>
+          </a:fontRef>
+        </p:style>
+      </p:cxnSp>
+      <p:cxnSp>
+        <p:nvCxnSpPr>
+          <p:cNvPr id="7" name="직선 연결선 6">
+            <a:extLst>
+              <a:ext uri="{FF2B5EF4-FFF2-40B4-BE49-F238E27FC236}">
+                <a16:creationId xmlns:a16="http://schemas.microsoft.com/office/drawing/2014/main" id="{4311DF94-98DC-4236-884B-C933DC2F22FC}"/>
+              </a:ext>
+            </a:extLst>
+          </p:cNvPr>
+          <p:cNvCxnSpPr>
+            <a:cxnSpLocks/>
+          </p:cNvCxnSpPr>
+          <p:nvPr/>
+        </p:nvCxnSpPr>
+        <p:spPr>
+          <a:xfrm flipH="1">
+            <a:off x="11480724" y="791244"/>
+            <a:ext cx="652945" cy="1114542"/>
+          </a:xfrm>
+          <a:prstGeom prst="line">
+            <a:avLst/>
+          </a:prstGeom>
+          <a:ln w="38100">
+            <a:solidFill>
+              <a:srgbClr val="00B050"/>
+            </a:solidFill>
+          </a:ln>
+        </p:spPr>
+        <p:style>
+          <a:lnRef idx="1">
+            <a:schemeClr val="accent1"/>
+          </a:lnRef>
+          <a:fillRef idx="0">
+            <a:schemeClr val="accent1"/>
+          </a:fillRef>
+          <a:effectRef idx="0">
+            <a:schemeClr val="accent1"/>
+          </a:effectRef>
+          <a:fontRef idx="minor">
+            <a:schemeClr val="tx1"/>
+          </a:fontRef>
+        </p:style>
+      </p:cxnSp>
     </p:spTree>
     <p:extLst>
       <p:ext uri="{BB962C8B-B14F-4D97-AF65-F5344CB8AC3E}">
@@ -5079,6 +6307,131 @@
           </a:effectLst>
         </p:spPr>
       </p:pic>
+      <p:cxnSp>
+        <p:nvCxnSpPr>
+          <p:cNvPr id="5" name="직선 연결선 4">
+            <a:extLst>
+              <a:ext uri="{FF2B5EF4-FFF2-40B4-BE49-F238E27FC236}">
+                <a16:creationId xmlns:a16="http://schemas.microsoft.com/office/drawing/2014/main" id="{414F7713-E176-4106-8EBB-E8EDEBB06F1F}"/>
+              </a:ext>
+            </a:extLst>
+          </p:cNvPr>
+          <p:cNvCxnSpPr>
+            <a:cxnSpLocks/>
+          </p:cNvCxnSpPr>
+          <p:nvPr/>
+        </p:nvCxnSpPr>
+        <p:spPr>
+          <a:xfrm>
+            <a:off x="614801" y="1690688"/>
+            <a:ext cx="11180120" cy="0"/>
+          </a:xfrm>
+          <a:prstGeom prst="line">
+            <a:avLst/>
+          </a:prstGeom>
+          <a:ln w="38100"/>
+        </p:spPr>
+        <p:style>
+          <a:lnRef idx="1">
+            <a:schemeClr val="accent1"/>
+          </a:lnRef>
+          <a:fillRef idx="0">
+            <a:schemeClr val="accent1"/>
+          </a:fillRef>
+          <a:effectRef idx="0">
+            <a:schemeClr val="accent1"/>
+          </a:effectRef>
+          <a:fontRef idx="minor">
+            <a:schemeClr val="tx1"/>
+          </a:fontRef>
+        </p:style>
+      </p:cxnSp>
+      <p:cxnSp>
+        <p:nvCxnSpPr>
+          <p:cNvPr id="6" name="직선 연결선 5">
+            <a:extLst>
+              <a:ext uri="{FF2B5EF4-FFF2-40B4-BE49-F238E27FC236}">
+                <a16:creationId xmlns:a16="http://schemas.microsoft.com/office/drawing/2014/main" id="{0450A4B0-6C01-4DE4-8C79-B0B45CF24B9A}"/>
+              </a:ext>
+            </a:extLst>
+          </p:cNvPr>
+          <p:cNvCxnSpPr>
+            <a:cxnSpLocks/>
+          </p:cNvCxnSpPr>
+          <p:nvPr/>
+        </p:nvCxnSpPr>
+        <p:spPr>
+          <a:xfrm flipH="1">
+            <a:off x="214925" y="1536554"/>
+            <a:ext cx="652945" cy="1114542"/>
+          </a:xfrm>
+          <a:prstGeom prst="line">
+            <a:avLst/>
+          </a:prstGeom>
+          <a:ln w="38100">
+            <a:solidFill>
+              <a:srgbClr val="00B050"/>
+            </a:solidFill>
+          </a:ln>
+        </p:spPr>
+        <p:style>
+          <a:lnRef idx="1">
+            <a:schemeClr val="accent1"/>
+          </a:lnRef>
+          <a:fillRef idx="0">
+            <a:schemeClr val="accent1"/>
+          </a:fillRef>
+          <a:effectRef idx="0">
+            <a:schemeClr val="accent1"/>
+          </a:effectRef>
+          <a:fontRef idx="minor">
+            <a:schemeClr val="tx1"/>
+          </a:fontRef>
+        </p:style>
+      </p:cxnSp>
+      <p:cxnSp>
+        <p:nvCxnSpPr>
+          <p:cNvPr id="7" name="직선 연결선 6">
+            <a:extLst>
+              <a:ext uri="{FF2B5EF4-FFF2-40B4-BE49-F238E27FC236}">
+                <a16:creationId xmlns:a16="http://schemas.microsoft.com/office/drawing/2014/main" id="{C77C3976-1812-4391-BEA9-9AF980E34CAC}"/>
+              </a:ext>
+            </a:extLst>
+          </p:cNvPr>
+          <p:cNvCxnSpPr>
+            <a:cxnSpLocks/>
+          </p:cNvCxnSpPr>
+          <p:nvPr/>
+        </p:nvCxnSpPr>
+        <p:spPr>
+          <a:xfrm flipH="1">
+            <a:off x="11480724" y="791244"/>
+            <a:ext cx="652945" cy="1114542"/>
+          </a:xfrm>
+          <a:prstGeom prst="line">
+            <a:avLst/>
+          </a:prstGeom>
+          <a:ln w="38100">
+            <a:solidFill>
+              <a:srgbClr val="00B050"/>
+            </a:solidFill>
+          </a:ln>
+        </p:spPr>
+        <p:style>
+          <a:lnRef idx="1">
+            <a:schemeClr val="accent1"/>
+          </a:lnRef>
+          <a:fillRef idx="0">
+            <a:schemeClr val="accent1"/>
+          </a:fillRef>
+          <a:effectRef idx="0">
+            <a:schemeClr val="accent1"/>
+          </a:effectRef>
+          <a:fontRef idx="minor">
+            <a:schemeClr val="tx1"/>
+          </a:fontRef>
+        </p:style>
+      </p:cxnSp>
     </p:spTree>
     <p:extLst>
       <p:ext uri="{BB962C8B-B14F-4D97-AF65-F5344CB8AC3E}">
@@ -5194,6 +6547,131 @@
           </a:effectLst>
         </p:spPr>
       </p:pic>
+      <p:cxnSp>
+        <p:nvCxnSpPr>
+          <p:cNvPr id="5" name="직선 연결선 4">
+            <a:extLst>
+              <a:ext uri="{FF2B5EF4-FFF2-40B4-BE49-F238E27FC236}">
+                <a16:creationId xmlns:a16="http://schemas.microsoft.com/office/drawing/2014/main" id="{F626BE09-959A-4E67-8357-2A0C4DECCB72}"/>
+              </a:ext>
+            </a:extLst>
+          </p:cNvPr>
+          <p:cNvCxnSpPr>
+            <a:cxnSpLocks/>
+          </p:cNvCxnSpPr>
+          <p:nvPr/>
+        </p:nvCxnSpPr>
+        <p:spPr>
+          <a:xfrm>
+            <a:off x="614801" y="1690688"/>
+            <a:ext cx="11180120" cy="0"/>
+          </a:xfrm>
+          <a:prstGeom prst="line">
+            <a:avLst/>
+          </a:prstGeom>
+          <a:ln w="38100"/>
+        </p:spPr>
+        <p:style>
+          <a:lnRef idx="1">
+            <a:schemeClr val="accent1"/>
+          </a:lnRef>
+          <a:fillRef idx="0">
+            <a:schemeClr val="accent1"/>
+          </a:fillRef>
+          <a:effectRef idx="0">
+            <a:schemeClr val="accent1"/>
+          </a:effectRef>
+          <a:fontRef idx="minor">
+            <a:schemeClr val="tx1"/>
+          </a:fontRef>
+        </p:style>
+      </p:cxnSp>
+      <p:cxnSp>
+        <p:nvCxnSpPr>
+          <p:cNvPr id="6" name="직선 연결선 5">
+            <a:extLst>
+              <a:ext uri="{FF2B5EF4-FFF2-40B4-BE49-F238E27FC236}">
+                <a16:creationId xmlns:a16="http://schemas.microsoft.com/office/drawing/2014/main" id="{0EF5B066-FC5A-4047-BBBB-5306526A99C2}"/>
+              </a:ext>
+            </a:extLst>
+          </p:cNvPr>
+          <p:cNvCxnSpPr>
+            <a:cxnSpLocks/>
+          </p:cNvCxnSpPr>
+          <p:nvPr/>
+        </p:nvCxnSpPr>
+        <p:spPr>
+          <a:xfrm flipH="1">
+            <a:off x="214925" y="1536554"/>
+            <a:ext cx="652945" cy="1114542"/>
+          </a:xfrm>
+          <a:prstGeom prst="line">
+            <a:avLst/>
+          </a:prstGeom>
+          <a:ln w="38100">
+            <a:solidFill>
+              <a:srgbClr val="00B050"/>
+            </a:solidFill>
+          </a:ln>
+        </p:spPr>
+        <p:style>
+          <a:lnRef idx="1">
+            <a:schemeClr val="accent1"/>
+          </a:lnRef>
+          <a:fillRef idx="0">
+            <a:schemeClr val="accent1"/>
+          </a:fillRef>
+          <a:effectRef idx="0">
+            <a:schemeClr val="accent1"/>
+          </a:effectRef>
+          <a:fontRef idx="minor">
+            <a:schemeClr val="tx1"/>
+          </a:fontRef>
+        </p:style>
+      </p:cxnSp>
+      <p:cxnSp>
+        <p:nvCxnSpPr>
+          <p:cNvPr id="7" name="직선 연결선 6">
+            <a:extLst>
+              <a:ext uri="{FF2B5EF4-FFF2-40B4-BE49-F238E27FC236}">
+                <a16:creationId xmlns:a16="http://schemas.microsoft.com/office/drawing/2014/main" id="{98C08BBA-69EE-481A-9087-62035081267A}"/>
+              </a:ext>
+            </a:extLst>
+          </p:cNvPr>
+          <p:cNvCxnSpPr>
+            <a:cxnSpLocks/>
+          </p:cNvCxnSpPr>
+          <p:nvPr/>
+        </p:nvCxnSpPr>
+        <p:spPr>
+          <a:xfrm flipH="1">
+            <a:off x="11480724" y="791244"/>
+            <a:ext cx="652945" cy="1114542"/>
+          </a:xfrm>
+          <a:prstGeom prst="line">
+            <a:avLst/>
+          </a:prstGeom>
+          <a:ln w="38100">
+            <a:solidFill>
+              <a:srgbClr val="00B050"/>
+            </a:solidFill>
+          </a:ln>
+        </p:spPr>
+        <p:style>
+          <a:lnRef idx="1">
+            <a:schemeClr val="accent1"/>
+          </a:lnRef>
+          <a:fillRef idx="0">
+            <a:schemeClr val="accent1"/>
+          </a:fillRef>
+          <a:effectRef idx="0">
+            <a:schemeClr val="accent1"/>
+          </a:effectRef>
+          <a:fontRef idx="minor">
+            <a:schemeClr val="tx1"/>
+          </a:fontRef>
+        </p:style>
+      </p:cxnSp>
     </p:spTree>
     <p:extLst>
       <p:ext uri="{BB962C8B-B14F-4D97-AF65-F5344CB8AC3E}">
@@ -5358,7 +6836,7 @@
         </p:blipFill>
         <p:spPr>
           <a:xfrm>
-            <a:off x="6346664" y="1763173"/>
+            <a:off x="6438943" y="1905786"/>
             <a:ext cx="4448175" cy="4019550"/>
           </a:xfrm>
           <a:prstGeom prst="rect">
@@ -5380,6 +6858,131 @@
           </a:effectLst>
         </p:spPr>
       </p:pic>
+      <p:cxnSp>
+        <p:nvCxnSpPr>
+          <p:cNvPr id="5" name="직선 연결선 4">
+            <a:extLst>
+              <a:ext uri="{FF2B5EF4-FFF2-40B4-BE49-F238E27FC236}">
+                <a16:creationId xmlns:a16="http://schemas.microsoft.com/office/drawing/2014/main" id="{98197332-50EF-448C-8187-CED765F77C80}"/>
+              </a:ext>
+            </a:extLst>
+          </p:cNvPr>
+          <p:cNvCxnSpPr>
+            <a:cxnSpLocks/>
+          </p:cNvCxnSpPr>
+          <p:nvPr/>
+        </p:nvCxnSpPr>
+        <p:spPr>
+          <a:xfrm>
+            <a:off x="614801" y="1690688"/>
+            <a:ext cx="11180120" cy="0"/>
+          </a:xfrm>
+          <a:prstGeom prst="line">
+            <a:avLst/>
+          </a:prstGeom>
+          <a:ln w="38100"/>
+        </p:spPr>
+        <p:style>
+          <a:lnRef idx="1">
+            <a:schemeClr val="accent1"/>
+          </a:lnRef>
+          <a:fillRef idx="0">
+            <a:schemeClr val="accent1"/>
+          </a:fillRef>
+          <a:effectRef idx="0">
+            <a:schemeClr val="accent1"/>
+          </a:effectRef>
+          <a:fontRef idx="minor">
+            <a:schemeClr val="tx1"/>
+          </a:fontRef>
+        </p:style>
+      </p:cxnSp>
+      <p:cxnSp>
+        <p:nvCxnSpPr>
+          <p:cNvPr id="7" name="직선 연결선 6">
+            <a:extLst>
+              <a:ext uri="{FF2B5EF4-FFF2-40B4-BE49-F238E27FC236}">
+                <a16:creationId xmlns:a16="http://schemas.microsoft.com/office/drawing/2014/main" id="{AF237055-F75A-4443-8E3D-AF2F310765B9}"/>
+              </a:ext>
+            </a:extLst>
+          </p:cNvPr>
+          <p:cNvCxnSpPr>
+            <a:cxnSpLocks/>
+          </p:cNvCxnSpPr>
+          <p:nvPr/>
+        </p:nvCxnSpPr>
+        <p:spPr>
+          <a:xfrm flipH="1">
+            <a:off x="214925" y="1536554"/>
+            <a:ext cx="652945" cy="1114542"/>
+          </a:xfrm>
+          <a:prstGeom prst="line">
+            <a:avLst/>
+          </a:prstGeom>
+          <a:ln w="38100">
+            <a:solidFill>
+              <a:srgbClr val="00B050"/>
+            </a:solidFill>
+          </a:ln>
+        </p:spPr>
+        <p:style>
+          <a:lnRef idx="1">
+            <a:schemeClr val="accent1"/>
+          </a:lnRef>
+          <a:fillRef idx="0">
+            <a:schemeClr val="accent1"/>
+          </a:fillRef>
+          <a:effectRef idx="0">
+            <a:schemeClr val="accent1"/>
+          </a:effectRef>
+          <a:fontRef idx="minor">
+            <a:schemeClr val="tx1"/>
+          </a:fontRef>
+        </p:style>
+      </p:cxnSp>
+      <p:cxnSp>
+        <p:nvCxnSpPr>
+          <p:cNvPr id="9" name="직선 연결선 8">
+            <a:extLst>
+              <a:ext uri="{FF2B5EF4-FFF2-40B4-BE49-F238E27FC236}">
+                <a16:creationId xmlns:a16="http://schemas.microsoft.com/office/drawing/2014/main" id="{07DB29DC-7902-4E1A-8B7F-05B4BA2E7F29}"/>
+              </a:ext>
+            </a:extLst>
+          </p:cNvPr>
+          <p:cNvCxnSpPr>
+            <a:cxnSpLocks/>
+          </p:cNvCxnSpPr>
+          <p:nvPr/>
+        </p:nvCxnSpPr>
+        <p:spPr>
+          <a:xfrm flipH="1">
+            <a:off x="11480724" y="791244"/>
+            <a:ext cx="652945" cy="1114542"/>
+          </a:xfrm>
+          <a:prstGeom prst="line">
+            <a:avLst/>
+          </a:prstGeom>
+          <a:ln w="38100">
+            <a:solidFill>
+              <a:srgbClr val="00B050"/>
+            </a:solidFill>
+          </a:ln>
+        </p:spPr>
+        <p:style>
+          <a:lnRef idx="1">
+            <a:schemeClr val="accent1"/>
+          </a:lnRef>
+          <a:fillRef idx="0">
+            <a:schemeClr val="accent1"/>
+          </a:fillRef>
+          <a:effectRef idx="0">
+            <a:schemeClr val="accent1"/>
+          </a:effectRef>
+          <a:fontRef idx="minor">
+            <a:schemeClr val="tx1"/>
+          </a:fontRef>
+        </p:style>
+      </p:cxnSp>
     </p:spTree>
     <p:extLst>
       <p:ext uri="{BB962C8B-B14F-4D97-AF65-F5344CB8AC3E}">
@@ -5614,6 +7217,131 @@
           </a:effectLst>
         </p:spPr>
       </p:pic>
+      <p:cxnSp>
+        <p:nvCxnSpPr>
+          <p:cNvPr id="6" name="직선 연결선 5">
+            <a:extLst>
+              <a:ext uri="{FF2B5EF4-FFF2-40B4-BE49-F238E27FC236}">
+                <a16:creationId xmlns:a16="http://schemas.microsoft.com/office/drawing/2014/main" id="{56EA8292-5130-4EF6-B609-CC204B9E5043}"/>
+              </a:ext>
+            </a:extLst>
+          </p:cNvPr>
+          <p:cNvCxnSpPr>
+            <a:cxnSpLocks/>
+          </p:cNvCxnSpPr>
+          <p:nvPr/>
+        </p:nvCxnSpPr>
+        <p:spPr>
+          <a:xfrm>
+            <a:off x="614801" y="1690688"/>
+            <a:ext cx="11180120" cy="0"/>
+          </a:xfrm>
+          <a:prstGeom prst="line">
+            <a:avLst/>
+          </a:prstGeom>
+          <a:ln w="38100"/>
+        </p:spPr>
+        <p:style>
+          <a:lnRef idx="1">
+            <a:schemeClr val="accent1"/>
+          </a:lnRef>
+          <a:fillRef idx="0">
+            <a:schemeClr val="accent1"/>
+          </a:fillRef>
+          <a:effectRef idx="0">
+            <a:schemeClr val="accent1"/>
+          </a:effectRef>
+          <a:fontRef idx="minor">
+            <a:schemeClr val="tx1"/>
+          </a:fontRef>
+        </p:style>
+      </p:cxnSp>
+      <p:cxnSp>
+        <p:nvCxnSpPr>
+          <p:cNvPr id="7" name="직선 연결선 6">
+            <a:extLst>
+              <a:ext uri="{FF2B5EF4-FFF2-40B4-BE49-F238E27FC236}">
+                <a16:creationId xmlns:a16="http://schemas.microsoft.com/office/drawing/2014/main" id="{A48524BA-39FB-4196-9D83-59FDCB49BE5F}"/>
+              </a:ext>
+            </a:extLst>
+          </p:cNvPr>
+          <p:cNvCxnSpPr>
+            <a:cxnSpLocks/>
+          </p:cNvCxnSpPr>
+          <p:nvPr/>
+        </p:nvCxnSpPr>
+        <p:spPr>
+          <a:xfrm flipH="1">
+            <a:off x="214925" y="1536554"/>
+            <a:ext cx="652945" cy="1114542"/>
+          </a:xfrm>
+          <a:prstGeom prst="line">
+            <a:avLst/>
+          </a:prstGeom>
+          <a:ln w="38100">
+            <a:solidFill>
+              <a:srgbClr val="00B050"/>
+            </a:solidFill>
+          </a:ln>
+        </p:spPr>
+        <p:style>
+          <a:lnRef idx="1">
+            <a:schemeClr val="accent1"/>
+          </a:lnRef>
+          <a:fillRef idx="0">
+            <a:schemeClr val="accent1"/>
+          </a:fillRef>
+          <a:effectRef idx="0">
+            <a:schemeClr val="accent1"/>
+          </a:effectRef>
+          <a:fontRef idx="minor">
+            <a:schemeClr val="tx1"/>
+          </a:fontRef>
+        </p:style>
+      </p:cxnSp>
+      <p:cxnSp>
+        <p:nvCxnSpPr>
+          <p:cNvPr id="8" name="직선 연결선 7">
+            <a:extLst>
+              <a:ext uri="{FF2B5EF4-FFF2-40B4-BE49-F238E27FC236}">
+                <a16:creationId xmlns:a16="http://schemas.microsoft.com/office/drawing/2014/main" id="{7DFA167E-2121-4D9A-B1F0-40CAA7C7314B}"/>
+              </a:ext>
+            </a:extLst>
+          </p:cNvPr>
+          <p:cNvCxnSpPr>
+            <a:cxnSpLocks/>
+          </p:cNvCxnSpPr>
+          <p:nvPr/>
+        </p:nvCxnSpPr>
+        <p:spPr>
+          <a:xfrm flipH="1">
+            <a:off x="11480724" y="791244"/>
+            <a:ext cx="652945" cy="1114542"/>
+          </a:xfrm>
+          <a:prstGeom prst="line">
+            <a:avLst/>
+          </a:prstGeom>
+          <a:ln w="38100">
+            <a:solidFill>
+              <a:srgbClr val="00B050"/>
+            </a:solidFill>
+          </a:ln>
+        </p:spPr>
+        <p:style>
+          <a:lnRef idx="1">
+            <a:schemeClr val="accent1"/>
+          </a:lnRef>
+          <a:fillRef idx="0">
+            <a:schemeClr val="accent1"/>
+          </a:fillRef>
+          <a:effectRef idx="0">
+            <a:schemeClr val="accent1"/>
+          </a:effectRef>
+          <a:fontRef idx="minor">
+            <a:schemeClr val="tx1"/>
+          </a:fontRef>
+        </p:style>
+      </p:cxnSp>
     </p:spTree>
     <p:extLst>
       <p:ext uri="{BB962C8B-B14F-4D97-AF65-F5344CB8AC3E}">
@@ -5801,6 +7529,131 @@
           </a:effectLst>
         </p:spPr>
       </p:pic>
+      <p:cxnSp>
+        <p:nvCxnSpPr>
+          <p:cNvPr id="5" name="직선 연결선 4">
+            <a:extLst>
+              <a:ext uri="{FF2B5EF4-FFF2-40B4-BE49-F238E27FC236}">
+                <a16:creationId xmlns:a16="http://schemas.microsoft.com/office/drawing/2014/main" id="{2C8EA241-138B-4874-883E-225A6B997BE0}"/>
+              </a:ext>
+            </a:extLst>
+          </p:cNvPr>
+          <p:cNvCxnSpPr>
+            <a:cxnSpLocks/>
+          </p:cNvCxnSpPr>
+          <p:nvPr/>
+        </p:nvCxnSpPr>
+        <p:spPr>
+          <a:xfrm>
+            <a:off x="614801" y="1690688"/>
+            <a:ext cx="11180120" cy="0"/>
+          </a:xfrm>
+          <a:prstGeom prst="line">
+            <a:avLst/>
+          </a:prstGeom>
+          <a:ln w="38100"/>
+        </p:spPr>
+        <p:style>
+          <a:lnRef idx="1">
+            <a:schemeClr val="accent1"/>
+          </a:lnRef>
+          <a:fillRef idx="0">
+            <a:schemeClr val="accent1"/>
+          </a:fillRef>
+          <a:effectRef idx="0">
+            <a:schemeClr val="accent1"/>
+          </a:effectRef>
+          <a:fontRef idx="minor">
+            <a:schemeClr val="tx1"/>
+          </a:fontRef>
+        </p:style>
+      </p:cxnSp>
+      <p:cxnSp>
+        <p:nvCxnSpPr>
+          <p:cNvPr id="6" name="직선 연결선 5">
+            <a:extLst>
+              <a:ext uri="{FF2B5EF4-FFF2-40B4-BE49-F238E27FC236}">
+                <a16:creationId xmlns:a16="http://schemas.microsoft.com/office/drawing/2014/main" id="{EC1A62B4-6F04-4AEC-A5AC-A9D1532A4C37}"/>
+              </a:ext>
+            </a:extLst>
+          </p:cNvPr>
+          <p:cNvCxnSpPr>
+            <a:cxnSpLocks/>
+          </p:cNvCxnSpPr>
+          <p:nvPr/>
+        </p:nvCxnSpPr>
+        <p:spPr>
+          <a:xfrm flipH="1">
+            <a:off x="214925" y="1536554"/>
+            <a:ext cx="652945" cy="1114542"/>
+          </a:xfrm>
+          <a:prstGeom prst="line">
+            <a:avLst/>
+          </a:prstGeom>
+          <a:ln w="38100">
+            <a:solidFill>
+              <a:srgbClr val="00B050"/>
+            </a:solidFill>
+          </a:ln>
+        </p:spPr>
+        <p:style>
+          <a:lnRef idx="1">
+            <a:schemeClr val="accent1"/>
+          </a:lnRef>
+          <a:fillRef idx="0">
+            <a:schemeClr val="accent1"/>
+          </a:fillRef>
+          <a:effectRef idx="0">
+            <a:schemeClr val="accent1"/>
+          </a:effectRef>
+          <a:fontRef idx="minor">
+            <a:schemeClr val="tx1"/>
+          </a:fontRef>
+        </p:style>
+      </p:cxnSp>
+      <p:cxnSp>
+        <p:nvCxnSpPr>
+          <p:cNvPr id="7" name="직선 연결선 6">
+            <a:extLst>
+              <a:ext uri="{FF2B5EF4-FFF2-40B4-BE49-F238E27FC236}">
+                <a16:creationId xmlns:a16="http://schemas.microsoft.com/office/drawing/2014/main" id="{49438F8E-096F-4D71-AF9B-B5243B385E0B}"/>
+              </a:ext>
+            </a:extLst>
+          </p:cNvPr>
+          <p:cNvCxnSpPr>
+            <a:cxnSpLocks/>
+          </p:cNvCxnSpPr>
+          <p:nvPr/>
+        </p:nvCxnSpPr>
+        <p:spPr>
+          <a:xfrm flipH="1">
+            <a:off x="11480724" y="791244"/>
+            <a:ext cx="652945" cy="1114542"/>
+          </a:xfrm>
+          <a:prstGeom prst="line">
+            <a:avLst/>
+          </a:prstGeom>
+          <a:ln w="38100">
+            <a:solidFill>
+              <a:srgbClr val="00B050"/>
+            </a:solidFill>
+          </a:ln>
+        </p:spPr>
+        <p:style>
+          <a:lnRef idx="1">
+            <a:schemeClr val="accent1"/>
+          </a:lnRef>
+          <a:fillRef idx="0">
+            <a:schemeClr val="accent1"/>
+          </a:fillRef>
+          <a:effectRef idx="0">
+            <a:schemeClr val="accent1"/>
+          </a:effectRef>
+          <a:fontRef idx="minor">
+            <a:schemeClr val="tx1"/>
+          </a:fontRef>
+        </p:style>
+      </p:cxnSp>
     </p:spTree>
     <p:extLst>
       <p:ext uri="{BB962C8B-B14F-4D97-AF65-F5344CB8AC3E}">
@@ -5836,7 +7689,7 @@
           <p:cNvPr id="2" name="제목 1">
             <a:extLst>
               <a:ext uri="{FF2B5EF4-FFF2-40B4-BE49-F238E27FC236}">
-                <a16:creationId xmlns:a16="http://schemas.microsoft.com/office/drawing/2014/main" id="{5AA1DC7B-F47B-4315-8A50-1A8E8EC505BB}"/>
+                <a16:creationId xmlns:a16="http://schemas.microsoft.com/office/drawing/2014/main" id="{F42E5494-9594-4452-B1A8-1879378E4BBB}"/>
               </a:ext>
             </a:extLst>
           </p:cNvPr>
@@ -5852,7 +7705,21 @@
           <a:bodyPr/>
           <a:lstStyle/>
           <a:p>
-            <a:endParaRPr lang="ko-KR" altLang="en-US"/>
+            <a:r>
+              <a:rPr lang="en-US" altLang="ko-KR" dirty="0"/>
+              <a:t>Linux  - Vim Editor</a:t>
+            </a:r>
+            <a:br>
+              <a:rPr lang="en-US" altLang="ko-KR" dirty="0"/>
+            </a:br>
+            <a:r>
+              <a:rPr lang="en-US" altLang="ko-KR" dirty="0"/>
+              <a:t>2. Vim </a:t>
+            </a:r>
+            <a:r>
+              <a:rPr lang="ko-KR" altLang="en-US" dirty="0"/>
+              <a:t>입문</a:t>
+            </a:r>
           </a:p>
         </p:txBody>
       </p:sp>
@@ -5861,7 +7728,7 @@
           <p:cNvPr id="3" name="내용 개체 틀 2">
             <a:extLst>
               <a:ext uri="{FF2B5EF4-FFF2-40B4-BE49-F238E27FC236}">
-                <a16:creationId xmlns:a16="http://schemas.microsoft.com/office/drawing/2014/main" id="{7F74AE79-B5E1-4DC4-921D-18BE515FDE3F}"/>
+                <a16:creationId xmlns:a16="http://schemas.microsoft.com/office/drawing/2014/main" id="{BC91E3F9-44DD-41C2-8A58-47C17CA872B7}"/>
               </a:ext>
             </a:extLst>
           </p:cNvPr>
@@ -5878,34 +7745,2098 @@
           <a:lstStyle/>
           <a:p>
             <a:r>
+              <a:rPr lang="ko-KR" altLang="en-US" dirty="0"/>
+              <a:t>명령행 모드에서 범위를 지정해서 명령하기</a:t>
+            </a:r>
+          </a:p>
+        </p:txBody>
+      </p:sp>
+      <p:pic>
+        <p:nvPicPr>
+          <p:cNvPr id="4" name="그림 3">
+            <a:extLst>
+              <a:ext uri="{FF2B5EF4-FFF2-40B4-BE49-F238E27FC236}">
+                <a16:creationId xmlns:a16="http://schemas.microsoft.com/office/drawing/2014/main" id="{20DDDF28-72E6-4C7F-8D48-EBB0AE142AD1}"/>
+              </a:ext>
+            </a:extLst>
+          </p:cNvPr>
+          <p:cNvPicPr>
+            <a:picLocks noChangeAspect="1"/>
+          </p:cNvPicPr>
+          <p:nvPr/>
+        </p:nvPicPr>
+        <p:blipFill>
+          <a:blip r:embed="rId2"/>
+          <a:stretch>
+            <a:fillRect/>
+          </a:stretch>
+        </p:blipFill>
+        <p:spPr>
+          <a:xfrm>
+            <a:off x="962485" y="2516697"/>
+            <a:ext cx="5538983" cy="3539950"/>
+          </a:xfrm>
+          <a:prstGeom prst="rect">
+            <a:avLst/>
+          </a:prstGeom>
+          <a:ln w="38100" cap="sq">
+            <a:solidFill>
+              <a:srgbClr val="000000"/>
+            </a:solidFill>
+            <a:prstDash val="solid"/>
+            <a:miter lim="800000"/>
+          </a:ln>
+          <a:effectLst>
+            <a:outerShdw blurRad="50800" dist="38100" dir="2700000" algn="tl" rotWithShape="0">
+              <a:srgbClr val="000000">
+                <a:alpha val="43000"/>
+              </a:srgbClr>
+            </a:outerShdw>
+          </a:effectLst>
+        </p:spPr>
+      </p:pic>
+      <p:pic>
+        <p:nvPicPr>
+          <p:cNvPr id="5" name="그림 4">
+            <a:extLst>
+              <a:ext uri="{FF2B5EF4-FFF2-40B4-BE49-F238E27FC236}">
+                <a16:creationId xmlns:a16="http://schemas.microsoft.com/office/drawing/2014/main" id="{F45657A8-EA31-458D-B69A-B30A704817F0}"/>
+              </a:ext>
+            </a:extLst>
+          </p:cNvPr>
+          <p:cNvPicPr>
+            <a:picLocks noChangeAspect="1"/>
+          </p:cNvPicPr>
+          <p:nvPr/>
+        </p:nvPicPr>
+        <p:blipFill>
+          <a:blip r:embed="rId3"/>
+          <a:stretch>
+            <a:fillRect/>
+          </a:stretch>
+        </p:blipFill>
+        <p:spPr>
+          <a:xfrm>
+            <a:off x="6744499" y="2516697"/>
+            <a:ext cx="4609301" cy="2810312"/>
+          </a:xfrm>
+          <a:prstGeom prst="rect">
+            <a:avLst/>
+          </a:prstGeom>
+          <a:ln w="38100" cap="sq">
+            <a:solidFill>
+              <a:srgbClr val="000000"/>
+            </a:solidFill>
+            <a:prstDash val="solid"/>
+            <a:miter lim="800000"/>
+          </a:ln>
+          <a:effectLst>
+            <a:outerShdw blurRad="50800" dist="38100" dir="2700000" algn="tl" rotWithShape="0">
+              <a:srgbClr val="000000">
+                <a:alpha val="43000"/>
+              </a:srgbClr>
+            </a:outerShdw>
+          </a:effectLst>
+        </p:spPr>
+      </p:pic>
+      <p:cxnSp>
+        <p:nvCxnSpPr>
+          <p:cNvPr id="6" name="직선 연결선 5">
+            <a:extLst>
+              <a:ext uri="{FF2B5EF4-FFF2-40B4-BE49-F238E27FC236}">
+                <a16:creationId xmlns:a16="http://schemas.microsoft.com/office/drawing/2014/main" id="{99748D1D-B2A2-40C2-8EF4-67D89E3B5F28}"/>
+              </a:ext>
+            </a:extLst>
+          </p:cNvPr>
+          <p:cNvCxnSpPr>
+            <a:cxnSpLocks/>
+          </p:cNvCxnSpPr>
+          <p:nvPr/>
+        </p:nvCxnSpPr>
+        <p:spPr>
+          <a:xfrm>
+            <a:off x="614801" y="1690688"/>
+            <a:ext cx="11180120" cy="0"/>
+          </a:xfrm>
+          <a:prstGeom prst="line">
+            <a:avLst/>
+          </a:prstGeom>
+          <a:ln w="38100"/>
+        </p:spPr>
+        <p:style>
+          <a:lnRef idx="1">
+            <a:schemeClr val="accent1"/>
+          </a:lnRef>
+          <a:fillRef idx="0">
+            <a:schemeClr val="accent1"/>
+          </a:fillRef>
+          <a:effectRef idx="0">
+            <a:schemeClr val="accent1"/>
+          </a:effectRef>
+          <a:fontRef idx="minor">
+            <a:schemeClr val="tx1"/>
+          </a:fontRef>
+        </p:style>
+      </p:cxnSp>
+      <p:cxnSp>
+        <p:nvCxnSpPr>
+          <p:cNvPr id="7" name="직선 연결선 6">
+            <a:extLst>
+              <a:ext uri="{FF2B5EF4-FFF2-40B4-BE49-F238E27FC236}">
+                <a16:creationId xmlns:a16="http://schemas.microsoft.com/office/drawing/2014/main" id="{1DC14067-52B2-4DE4-BF55-34040F14847D}"/>
+              </a:ext>
+            </a:extLst>
+          </p:cNvPr>
+          <p:cNvCxnSpPr>
+            <a:cxnSpLocks/>
+          </p:cNvCxnSpPr>
+          <p:nvPr/>
+        </p:nvCxnSpPr>
+        <p:spPr>
+          <a:xfrm flipH="1">
+            <a:off x="214925" y="1536554"/>
+            <a:ext cx="652945" cy="1114542"/>
+          </a:xfrm>
+          <a:prstGeom prst="line">
+            <a:avLst/>
+          </a:prstGeom>
+          <a:ln w="38100">
+            <a:solidFill>
+              <a:srgbClr val="00B050"/>
+            </a:solidFill>
+          </a:ln>
+        </p:spPr>
+        <p:style>
+          <a:lnRef idx="1">
+            <a:schemeClr val="accent1"/>
+          </a:lnRef>
+          <a:fillRef idx="0">
+            <a:schemeClr val="accent1"/>
+          </a:fillRef>
+          <a:effectRef idx="0">
+            <a:schemeClr val="accent1"/>
+          </a:effectRef>
+          <a:fontRef idx="minor">
+            <a:schemeClr val="tx1"/>
+          </a:fontRef>
+        </p:style>
+      </p:cxnSp>
+      <p:cxnSp>
+        <p:nvCxnSpPr>
+          <p:cNvPr id="8" name="직선 연결선 7">
+            <a:extLst>
+              <a:ext uri="{FF2B5EF4-FFF2-40B4-BE49-F238E27FC236}">
+                <a16:creationId xmlns:a16="http://schemas.microsoft.com/office/drawing/2014/main" id="{4C624B6C-BE22-4BD1-9742-869DCDC1235E}"/>
+              </a:ext>
+            </a:extLst>
+          </p:cNvPr>
+          <p:cNvCxnSpPr>
+            <a:cxnSpLocks/>
+          </p:cNvCxnSpPr>
+          <p:nvPr/>
+        </p:nvCxnSpPr>
+        <p:spPr>
+          <a:xfrm flipH="1">
+            <a:off x="11480724" y="791244"/>
+            <a:ext cx="652945" cy="1114542"/>
+          </a:xfrm>
+          <a:prstGeom prst="line">
+            <a:avLst/>
+          </a:prstGeom>
+          <a:ln w="38100">
+            <a:solidFill>
+              <a:srgbClr val="00B050"/>
+            </a:solidFill>
+          </a:ln>
+        </p:spPr>
+        <p:style>
+          <a:lnRef idx="1">
+            <a:schemeClr val="accent1"/>
+          </a:lnRef>
+          <a:fillRef idx="0">
+            <a:schemeClr val="accent1"/>
+          </a:fillRef>
+          <a:effectRef idx="0">
+            <a:schemeClr val="accent1"/>
+          </a:effectRef>
+          <a:fontRef idx="minor">
+            <a:schemeClr val="tx1"/>
+          </a:fontRef>
+        </p:style>
+      </p:cxnSp>
+    </p:spTree>
+    <p:extLst>
+      <p:ext uri="{BB962C8B-B14F-4D97-AF65-F5344CB8AC3E}">
+        <p14:creationId xmlns:p14="http://schemas.microsoft.com/office/powerpoint/2010/main" val="1144073429"/>
+      </p:ext>
+    </p:extLst>
+  </p:cSld>
+  <p:clrMapOvr>
+    <a:masterClrMapping/>
+  </p:clrMapOvr>
+</p:sld>
+</file>
+
+<file path=ppt/slides/slide23.xml><?xml version="1.0" encoding="utf-8"?>
+<p:sld xmlns:a="http://schemas.openxmlformats.org/drawingml/2006/main" xmlns:r="http://schemas.openxmlformats.org/officeDocument/2006/relationships" xmlns:p="http://schemas.openxmlformats.org/presentationml/2006/main">
+  <p:cSld>
+    <p:spTree>
+      <p:nvGrpSpPr>
+        <p:cNvPr id="1" name=""/>
+        <p:cNvGrpSpPr/>
+        <p:nvPr/>
+      </p:nvGrpSpPr>
+      <p:grpSpPr>
+        <a:xfrm>
+          <a:off x="0" y="0"/>
+          <a:ext cx="0" cy="0"/>
+          <a:chOff x="0" y="0"/>
+          <a:chExt cx="0" cy="0"/>
+        </a:xfrm>
+      </p:grpSpPr>
+      <p:sp>
+        <p:nvSpPr>
+          <p:cNvPr id="2" name="제목 1">
+            <a:extLst>
+              <a:ext uri="{FF2B5EF4-FFF2-40B4-BE49-F238E27FC236}">
+                <a16:creationId xmlns:a16="http://schemas.microsoft.com/office/drawing/2014/main" id="{2A11987D-F676-4B1A-89C0-D3EFC6EF9F61}"/>
+              </a:ext>
+            </a:extLst>
+          </p:cNvPr>
+          <p:cNvSpPr>
+            <a:spLocks noGrp="1"/>
+          </p:cNvSpPr>
+          <p:nvPr>
+            <p:ph type="title"/>
+          </p:nvPr>
+        </p:nvSpPr>
+        <p:spPr/>
+        <p:txBody>
+          <a:bodyPr/>
+          <a:lstStyle/>
+          <a:p>
+            <a:r>
+              <a:rPr lang="en-US" altLang="ko-KR" dirty="0"/>
+              <a:t>Linux  - Vim Editor</a:t>
+            </a:r>
+            <a:br>
+              <a:rPr lang="en-US" altLang="ko-KR" dirty="0"/>
+            </a:br>
+            <a:r>
+              <a:rPr lang="en-US" altLang="ko-KR" dirty="0"/>
+              <a:t>2. Vim </a:t>
+            </a:r>
+            <a:r>
+              <a:rPr lang="ko-KR" altLang="en-US" dirty="0"/>
+              <a:t>입문</a:t>
+            </a:r>
+          </a:p>
+        </p:txBody>
+      </p:sp>
+      <p:sp>
+        <p:nvSpPr>
+          <p:cNvPr id="3" name="내용 개체 틀 2">
+            <a:extLst>
+              <a:ext uri="{FF2B5EF4-FFF2-40B4-BE49-F238E27FC236}">
+                <a16:creationId xmlns:a16="http://schemas.microsoft.com/office/drawing/2014/main" id="{B2DC9D70-E822-438D-8ADD-D019799D8B22}"/>
+              </a:ext>
+            </a:extLst>
+          </p:cNvPr>
+          <p:cNvSpPr>
+            <a:spLocks noGrp="1"/>
+          </p:cNvSpPr>
+          <p:nvPr>
+            <p:ph idx="1"/>
+          </p:nvPr>
+        </p:nvSpPr>
+        <p:spPr/>
+        <p:txBody>
+          <a:bodyPr/>
+          <a:lstStyle/>
+          <a:p>
+            <a:r>
+              <a:rPr lang="ko-KR" altLang="en-US" dirty="0"/>
+              <a:t>비주얼 모드 </a:t>
+            </a:r>
+            <a:r>
+              <a:rPr lang="en-US" altLang="ko-KR" dirty="0"/>
+              <a:t>: mouse</a:t>
+            </a:r>
+            <a:r>
+              <a:rPr lang="ko-KR" altLang="en-US" dirty="0"/>
+              <a:t>의 </a:t>
+            </a:r>
+            <a:r>
+              <a:rPr lang="en-US" altLang="ko-KR" dirty="0"/>
+              <a:t>drag </a:t>
+            </a:r>
+            <a:r>
+              <a:rPr lang="ko-KR" altLang="en-US" dirty="0"/>
+              <a:t>기능을 대신</a:t>
+            </a:r>
+          </a:p>
+        </p:txBody>
+      </p:sp>
+      <p:pic>
+        <p:nvPicPr>
+          <p:cNvPr id="4" name="그림 3">
+            <a:extLst>
+              <a:ext uri="{FF2B5EF4-FFF2-40B4-BE49-F238E27FC236}">
+                <a16:creationId xmlns:a16="http://schemas.microsoft.com/office/drawing/2014/main" id="{21BB2065-3054-41EB-A25A-67E3431095DA}"/>
+              </a:ext>
+            </a:extLst>
+          </p:cNvPr>
+          <p:cNvPicPr>
+            <a:picLocks noChangeAspect="1"/>
+          </p:cNvPicPr>
+          <p:nvPr/>
+        </p:nvPicPr>
+        <p:blipFill>
+          <a:blip r:embed="rId2"/>
+          <a:stretch>
+            <a:fillRect/>
+          </a:stretch>
+        </p:blipFill>
+        <p:spPr>
+          <a:xfrm>
+            <a:off x="1498131" y="2610811"/>
+            <a:ext cx="9195738" cy="3566152"/>
+          </a:xfrm>
+          <a:prstGeom prst="rect">
+            <a:avLst/>
+          </a:prstGeom>
+          <a:ln w="38100" cap="sq">
+            <a:solidFill>
+              <a:srgbClr val="000000"/>
+            </a:solidFill>
+            <a:prstDash val="solid"/>
+            <a:miter lim="800000"/>
+          </a:ln>
+          <a:effectLst>
+            <a:outerShdw blurRad="50800" dist="38100" dir="2700000" algn="tl" rotWithShape="0">
+              <a:srgbClr val="000000">
+                <a:alpha val="43000"/>
+              </a:srgbClr>
+            </a:outerShdw>
+          </a:effectLst>
+        </p:spPr>
+      </p:pic>
+      <p:cxnSp>
+        <p:nvCxnSpPr>
+          <p:cNvPr id="5" name="직선 연결선 4">
+            <a:extLst>
+              <a:ext uri="{FF2B5EF4-FFF2-40B4-BE49-F238E27FC236}">
+                <a16:creationId xmlns:a16="http://schemas.microsoft.com/office/drawing/2014/main" id="{20184797-99D3-4A56-9458-95CA7DDB2ECC}"/>
+              </a:ext>
+            </a:extLst>
+          </p:cNvPr>
+          <p:cNvCxnSpPr>
+            <a:cxnSpLocks/>
+          </p:cNvCxnSpPr>
+          <p:nvPr/>
+        </p:nvCxnSpPr>
+        <p:spPr>
+          <a:xfrm>
+            <a:off x="614801" y="1690688"/>
+            <a:ext cx="11180120" cy="0"/>
+          </a:xfrm>
+          <a:prstGeom prst="line">
+            <a:avLst/>
+          </a:prstGeom>
+          <a:ln w="38100"/>
+        </p:spPr>
+        <p:style>
+          <a:lnRef idx="1">
+            <a:schemeClr val="accent1"/>
+          </a:lnRef>
+          <a:fillRef idx="0">
+            <a:schemeClr val="accent1"/>
+          </a:fillRef>
+          <a:effectRef idx="0">
+            <a:schemeClr val="accent1"/>
+          </a:effectRef>
+          <a:fontRef idx="minor">
+            <a:schemeClr val="tx1"/>
+          </a:fontRef>
+        </p:style>
+      </p:cxnSp>
+      <p:cxnSp>
+        <p:nvCxnSpPr>
+          <p:cNvPr id="6" name="직선 연결선 5">
+            <a:extLst>
+              <a:ext uri="{FF2B5EF4-FFF2-40B4-BE49-F238E27FC236}">
+                <a16:creationId xmlns:a16="http://schemas.microsoft.com/office/drawing/2014/main" id="{ECE15EDF-1C98-4D47-846D-4B621C4BA651}"/>
+              </a:ext>
+            </a:extLst>
+          </p:cNvPr>
+          <p:cNvCxnSpPr>
+            <a:cxnSpLocks/>
+          </p:cNvCxnSpPr>
+          <p:nvPr/>
+        </p:nvCxnSpPr>
+        <p:spPr>
+          <a:xfrm flipH="1">
+            <a:off x="214925" y="1536554"/>
+            <a:ext cx="652945" cy="1114542"/>
+          </a:xfrm>
+          <a:prstGeom prst="line">
+            <a:avLst/>
+          </a:prstGeom>
+          <a:ln w="38100">
+            <a:solidFill>
+              <a:srgbClr val="00B050"/>
+            </a:solidFill>
+          </a:ln>
+        </p:spPr>
+        <p:style>
+          <a:lnRef idx="1">
+            <a:schemeClr val="accent1"/>
+          </a:lnRef>
+          <a:fillRef idx="0">
+            <a:schemeClr val="accent1"/>
+          </a:fillRef>
+          <a:effectRef idx="0">
+            <a:schemeClr val="accent1"/>
+          </a:effectRef>
+          <a:fontRef idx="minor">
+            <a:schemeClr val="tx1"/>
+          </a:fontRef>
+        </p:style>
+      </p:cxnSp>
+      <p:cxnSp>
+        <p:nvCxnSpPr>
+          <p:cNvPr id="7" name="직선 연결선 6">
+            <a:extLst>
+              <a:ext uri="{FF2B5EF4-FFF2-40B4-BE49-F238E27FC236}">
+                <a16:creationId xmlns:a16="http://schemas.microsoft.com/office/drawing/2014/main" id="{5D42007D-4312-48CC-97D0-0F0D8D608FA6}"/>
+              </a:ext>
+            </a:extLst>
+          </p:cNvPr>
+          <p:cNvCxnSpPr>
+            <a:cxnSpLocks/>
+          </p:cNvCxnSpPr>
+          <p:nvPr/>
+        </p:nvCxnSpPr>
+        <p:spPr>
+          <a:xfrm flipH="1">
+            <a:off x="11480724" y="791244"/>
+            <a:ext cx="652945" cy="1114542"/>
+          </a:xfrm>
+          <a:prstGeom prst="line">
+            <a:avLst/>
+          </a:prstGeom>
+          <a:ln w="38100">
+            <a:solidFill>
+              <a:srgbClr val="00B050"/>
+            </a:solidFill>
+          </a:ln>
+        </p:spPr>
+        <p:style>
+          <a:lnRef idx="1">
+            <a:schemeClr val="accent1"/>
+          </a:lnRef>
+          <a:fillRef idx="0">
+            <a:schemeClr val="accent1"/>
+          </a:fillRef>
+          <a:effectRef idx="0">
+            <a:schemeClr val="accent1"/>
+          </a:effectRef>
+          <a:fontRef idx="minor">
+            <a:schemeClr val="tx1"/>
+          </a:fontRef>
+        </p:style>
+      </p:cxnSp>
+    </p:spTree>
+    <p:extLst>
+      <p:ext uri="{BB962C8B-B14F-4D97-AF65-F5344CB8AC3E}">
+        <p14:creationId xmlns:p14="http://schemas.microsoft.com/office/powerpoint/2010/main" val="3809939095"/>
+      </p:ext>
+    </p:extLst>
+  </p:cSld>
+  <p:clrMapOvr>
+    <a:masterClrMapping/>
+  </p:clrMapOvr>
+</p:sld>
+</file>
+
+<file path=ppt/slides/slide24.xml><?xml version="1.0" encoding="utf-8"?>
+<p:sld xmlns:a="http://schemas.openxmlformats.org/drawingml/2006/main" xmlns:r="http://schemas.openxmlformats.org/officeDocument/2006/relationships" xmlns:p="http://schemas.openxmlformats.org/presentationml/2006/main">
+  <p:cSld>
+    <p:spTree>
+      <p:nvGrpSpPr>
+        <p:cNvPr id="1" name=""/>
+        <p:cNvGrpSpPr/>
+        <p:nvPr/>
+      </p:nvGrpSpPr>
+      <p:grpSpPr>
+        <a:xfrm>
+          <a:off x="0" y="0"/>
+          <a:ext cx="0" cy="0"/>
+          <a:chOff x="0" y="0"/>
+          <a:chExt cx="0" cy="0"/>
+        </a:xfrm>
+      </p:grpSpPr>
+      <p:sp>
+        <p:nvSpPr>
+          <p:cNvPr id="2" name="제목 1">
+            <a:extLst>
+              <a:ext uri="{FF2B5EF4-FFF2-40B4-BE49-F238E27FC236}">
+                <a16:creationId xmlns:a16="http://schemas.microsoft.com/office/drawing/2014/main" id="{DACDB03F-90D3-4C32-9708-0EFBDBD86744}"/>
+              </a:ext>
+            </a:extLst>
+          </p:cNvPr>
+          <p:cNvSpPr>
+            <a:spLocks noGrp="1"/>
+          </p:cNvSpPr>
+          <p:nvPr>
+            <p:ph type="title"/>
+          </p:nvPr>
+        </p:nvSpPr>
+        <p:spPr/>
+        <p:txBody>
+          <a:bodyPr/>
+          <a:lstStyle/>
+          <a:p>
+            <a:r>
+              <a:rPr lang="en-US" altLang="ko-KR" dirty="0"/>
+              <a:t>Linux  - Vim Editor</a:t>
+            </a:r>
+            <a:br>
+              <a:rPr lang="en-US" altLang="ko-KR" dirty="0"/>
+            </a:br>
+            <a:r>
+              <a:rPr lang="en-US" altLang="ko-KR" dirty="0"/>
+              <a:t>2. Vim </a:t>
+            </a:r>
+            <a:r>
+              <a:rPr lang="ko-KR" altLang="en-US" dirty="0"/>
+              <a:t>입문</a:t>
+            </a:r>
+          </a:p>
+        </p:txBody>
+      </p:sp>
+      <p:sp>
+        <p:nvSpPr>
+          <p:cNvPr id="3" name="내용 개체 틀 2">
+            <a:extLst>
+              <a:ext uri="{FF2B5EF4-FFF2-40B4-BE49-F238E27FC236}">
+                <a16:creationId xmlns:a16="http://schemas.microsoft.com/office/drawing/2014/main" id="{89676B50-59FE-4A31-85E6-DAEEAE230DCD}"/>
+              </a:ext>
+            </a:extLst>
+          </p:cNvPr>
+          <p:cNvSpPr>
+            <a:spLocks noGrp="1"/>
+          </p:cNvSpPr>
+          <p:nvPr>
+            <p:ph idx="1"/>
+          </p:nvPr>
+        </p:nvSpPr>
+        <p:spPr/>
+        <p:txBody>
+          <a:bodyPr/>
+          <a:lstStyle/>
+          <a:p>
+            <a:r>
+              <a:rPr lang="ko-KR" altLang="en-US" dirty="0"/>
+              <a:t>비주얼 블록 모드 </a:t>
+            </a:r>
+            <a:r>
+              <a:rPr lang="en-US" altLang="ko-KR" dirty="0"/>
+              <a:t>(visual block mode) : Ctrl + v</a:t>
+            </a:r>
+            <a:endParaRPr lang="ko-KR" altLang="en-US" dirty="0"/>
+          </a:p>
+        </p:txBody>
+      </p:sp>
+      <p:pic>
+        <p:nvPicPr>
+          <p:cNvPr id="4" name="그림 3">
+            <a:extLst>
+              <a:ext uri="{FF2B5EF4-FFF2-40B4-BE49-F238E27FC236}">
+                <a16:creationId xmlns:a16="http://schemas.microsoft.com/office/drawing/2014/main" id="{5AD76C58-620F-4D82-A1DB-8ECD3179635B}"/>
+              </a:ext>
+            </a:extLst>
+          </p:cNvPr>
+          <p:cNvPicPr>
+            <a:picLocks noChangeAspect="1"/>
+          </p:cNvPicPr>
+          <p:nvPr/>
+        </p:nvPicPr>
+        <p:blipFill>
+          <a:blip r:embed="rId2"/>
+          <a:stretch>
+            <a:fillRect/>
+          </a:stretch>
+        </p:blipFill>
+        <p:spPr>
+          <a:xfrm>
+            <a:off x="1306346" y="2719037"/>
+            <a:ext cx="9579308" cy="2851253"/>
+          </a:xfrm>
+          <a:prstGeom prst="rect">
+            <a:avLst/>
+          </a:prstGeom>
+          <a:ln w="38100" cap="sq">
+            <a:solidFill>
+              <a:srgbClr val="000000"/>
+            </a:solidFill>
+            <a:prstDash val="solid"/>
+            <a:miter lim="800000"/>
+          </a:ln>
+          <a:effectLst>
+            <a:outerShdw blurRad="50800" dist="38100" dir="2700000" algn="tl" rotWithShape="0">
+              <a:srgbClr val="000000">
+                <a:alpha val="43000"/>
+              </a:srgbClr>
+            </a:outerShdw>
+          </a:effectLst>
+        </p:spPr>
+      </p:pic>
+      <p:cxnSp>
+        <p:nvCxnSpPr>
+          <p:cNvPr id="5" name="직선 연결선 4">
+            <a:extLst>
+              <a:ext uri="{FF2B5EF4-FFF2-40B4-BE49-F238E27FC236}">
+                <a16:creationId xmlns:a16="http://schemas.microsoft.com/office/drawing/2014/main" id="{0AD0DB5D-EED0-494B-826E-6201D49EA505}"/>
+              </a:ext>
+            </a:extLst>
+          </p:cNvPr>
+          <p:cNvCxnSpPr>
+            <a:cxnSpLocks/>
+          </p:cNvCxnSpPr>
+          <p:nvPr/>
+        </p:nvCxnSpPr>
+        <p:spPr>
+          <a:xfrm>
+            <a:off x="614801" y="1690688"/>
+            <a:ext cx="11180120" cy="0"/>
+          </a:xfrm>
+          <a:prstGeom prst="line">
+            <a:avLst/>
+          </a:prstGeom>
+          <a:ln w="38100"/>
+        </p:spPr>
+        <p:style>
+          <a:lnRef idx="1">
+            <a:schemeClr val="accent1"/>
+          </a:lnRef>
+          <a:fillRef idx="0">
+            <a:schemeClr val="accent1"/>
+          </a:fillRef>
+          <a:effectRef idx="0">
+            <a:schemeClr val="accent1"/>
+          </a:effectRef>
+          <a:fontRef idx="minor">
+            <a:schemeClr val="tx1"/>
+          </a:fontRef>
+        </p:style>
+      </p:cxnSp>
+      <p:cxnSp>
+        <p:nvCxnSpPr>
+          <p:cNvPr id="6" name="직선 연결선 5">
+            <a:extLst>
+              <a:ext uri="{FF2B5EF4-FFF2-40B4-BE49-F238E27FC236}">
+                <a16:creationId xmlns:a16="http://schemas.microsoft.com/office/drawing/2014/main" id="{97A349CC-EF6E-454C-8BB7-78378218BD67}"/>
+              </a:ext>
+            </a:extLst>
+          </p:cNvPr>
+          <p:cNvCxnSpPr>
+            <a:cxnSpLocks/>
+          </p:cNvCxnSpPr>
+          <p:nvPr/>
+        </p:nvCxnSpPr>
+        <p:spPr>
+          <a:xfrm flipH="1">
+            <a:off x="214925" y="1536554"/>
+            <a:ext cx="652945" cy="1114542"/>
+          </a:xfrm>
+          <a:prstGeom prst="line">
+            <a:avLst/>
+          </a:prstGeom>
+          <a:ln w="38100">
+            <a:solidFill>
+              <a:srgbClr val="00B050"/>
+            </a:solidFill>
+          </a:ln>
+        </p:spPr>
+        <p:style>
+          <a:lnRef idx="1">
+            <a:schemeClr val="accent1"/>
+          </a:lnRef>
+          <a:fillRef idx="0">
+            <a:schemeClr val="accent1"/>
+          </a:fillRef>
+          <a:effectRef idx="0">
+            <a:schemeClr val="accent1"/>
+          </a:effectRef>
+          <a:fontRef idx="minor">
+            <a:schemeClr val="tx1"/>
+          </a:fontRef>
+        </p:style>
+      </p:cxnSp>
+      <p:cxnSp>
+        <p:nvCxnSpPr>
+          <p:cNvPr id="7" name="직선 연결선 6">
+            <a:extLst>
+              <a:ext uri="{FF2B5EF4-FFF2-40B4-BE49-F238E27FC236}">
+                <a16:creationId xmlns:a16="http://schemas.microsoft.com/office/drawing/2014/main" id="{79E68E35-6D70-45C8-B33B-4F63903489B0}"/>
+              </a:ext>
+            </a:extLst>
+          </p:cNvPr>
+          <p:cNvCxnSpPr>
+            <a:cxnSpLocks/>
+          </p:cNvCxnSpPr>
+          <p:nvPr/>
+        </p:nvCxnSpPr>
+        <p:spPr>
+          <a:xfrm flipH="1">
+            <a:off x="11480724" y="791244"/>
+            <a:ext cx="652945" cy="1114542"/>
+          </a:xfrm>
+          <a:prstGeom prst="line">
+            <a:avLst/>
+          </a:prstGeom>
+          <a:ln w="38100">
+            <a:solidFill>
+              <a:srgbClr val="00B050"/>
+            </a:solidFill>
+          </a:ln>
+        </p:spPr>
+        <p:style>
+          <a:lnRef idx="1">
+            <a:schemeClr val="accent1"/>
+          </a:lnRef>
+          <a:fillRef idx="0">
+            <a:schemeClr val="accent1"/>
+          </a:fillRef>
+          <a:effectRef idx="0">
+            <a:schemeClr val="accent1"/>
+          </a:effectRef>
+          <a:fontRef idx="minor">
+            <a:schemeClr val="tx1"/>
+          </a:fontRef>
+        </p:style>
+      </p:cxnSp>
+    </p:spTree>
+    <p:extLst>
+      <p:ext uri="{BB962C8B-B14F-4D97-AF65-F5344CB8AC3E}">
+        <p14:creationId xmlns:p14="http://schemas.microsoft.com/office/powerpoint/2010/main" val="1842199296"/>
+      </p:ext>
+    </p:extLst>
+  </p:cSld>
+  <p:clrMapOvr>
+    <a:masterClrMapping/>
+  </p:clrMapOvr>
+</p:sld>
+</file>
+
+<file path=ppt/slides/slide25.xml><?xml version="1.0" encoding="utf-8"?>
+<p:sld xmlns:a="http://schemas.openxmlformats.org/drawingml/2006/main" xmlns:r="http://schemas.openxmlformats.org/officeDocument/2006/relationships" xmlns:p="http://schemas.openxmlformats.org/presentationml/2006/main">
+  <p:cSld>
+    <p:spTree>
+      <p:nvGrpSpPr>
+        <p:cNvPr id="1" name=""/>
+        <p:cNvGrpSpPr/>
+        <p:nvPr/>
+      </p:nvGrpSpPr>
+      <p:grpSpPr>
+        <a:xfrm>
+          <a:off x="0" y="0"/>
+          <a:ext cx="0" cy="0"/>
+          <a:chOff x="0" y="0"/>
+          <a:chExt cx="0" cy="0"/>
+        </a:xfrm>
+      </p:grpSpPr>
+      <p:sp>
+        <p:nvSpPr>
+          <p:cNvPr id="2" name="제목 1">
+            <a:extLst>
+              <a:ext uri="{FF2B5EF4-FFF2-40B4-BE49-F238E27FC236}">
+                <a16:creationId xmlns:a16="http://schemas.microsoft.com/office/drawing/2014/main" id="{F31B8D39-C054-4FA6-A05A-6510C9BEACE7}"/>
+              </a:ext>
+            </a:extLst>
+          </p:cNvPr>
+          <p:cNvSpPr>
+            <a:spLocks noGrp="1"/>
+          </p:cNvSpPr>
+          <p:nvPr>
+            <p:ph type="title"/>
+          </p:nvPr>
+        </p:nvSpPr>
+        <p:spPr/>
+        <p:txBody>
+          <a:bodyPr/>
+          <a:lstStyle/>
+          <a:p>
+            <a:r>
+              <a:rPr lang="en-US" altLang="ko-KR" dirty="0"/>
+              <a:t>Linux  - Vim Editor</a:t>
+            </a:r>
+            <a:br>
+              <a:rPr lang="en-US" altLang="ko-KR" dirty="0"/>
+            </a:br>
+            <a:r>
+              <a:rPr lang="en-US" altLang="ko-KR" dirty="0"/>
+              <a:t>2. Vim </a:t>
+            </a:r>
+            <a:r>
+              <a:rPr lang="ko-KR" altLang="en-US" dirty="0"/>
+              <a:t>입문</a:t>
+            </a:r>
+          </a:p>
+        </p:txBody>
+      </p:sp>
+      <p:sp>
+        <p:nvSpPr>
+          <p:cNvPr id="3" name="내용 개체 틀 2">
+            <a:extLst>
+              <a:ext uri="{FF2B5EF4-FFF2-40B4-BE49-F238E27FC236}">
+                <a16:creationId xmlns:a16="http://schemas.microsoft.com/office/drawing/2014/main" id="{D174A368-1E3D-4172-B1B4-3392AB9E77D5}"/>
+              </a:ext>
+            </a:extLst>
+          </p:cNvPr>
+          <p:cNvSpPr>
+            <a:spLocks noGrp="1"/>
+          </p:cNvSpPr>
+          <p:nvPr>
+            <p:ph idx="1"/>
+          </p:nvPr>
+        </p:nvSpPr>
+        <p:spPr/>
+        <p:txBody>
+          <a:bodyPr/>
+          <a:lstStyle/>
+          <a:p>
+            <a:r>
+              <a:rPr lang="en-US" altLang="ko-KR" dirty="0" err="1"/>
+              <a:t>Ctrl+v</a:t>
+            </a:r>
+            <a:r>
+              <a:rPr lang="en-US" altLang="ko-KR" dirty="0"/>
+              <a:t> , </a:t>
+            </a:r>
+            <a:r>
+              <a:rPr lang="ko-KR" altLang="en-US" dirty="0" err="1"/>
+              <a:t>에디팅</a:t>
+            </a:r>
+            <a:r>
+              <a:rPr lang="en-US" altLang="ko-KR" dirty="0"/>
+              <a:t>(I, A, c, ~), &lt;ESC&gt; </a:t>
+            </a:r>
+            <a:r>
+              <a:rPr lang="ko-KR" altLang="en-US" dirty="0"/>
+              <a:t>키 </a:t>
+            </a:r>
+            <a:r>
+              <a:rPr lang="en-US" altLang="ko-KR" dirty="0"/>
+              <a:t>2</a:t>
+            </a:r>
+            <a:r>
+              <a:rPr lang="ko-KR" altLang="en-US" dirty="0"/>
+              <a:t>번 누름</a:t>
+            </a:r>
+            <a:endParaRPr lang="en-US" altLang="ko-KR" dirty="0"/>
+          </a:p>
+          <a:p>
+            <a:pPr lvl="1"/>
+            <a:r>
+              <a:rPr lang="en-US" altLang="ko-KR" dirty="0"/>
+              <a:t>I  : insert</a:t>
+            </a:r>
+          </a:p>
+          <a:p>
+            <a:pPr lvl="1"/>
+            <a:r>
+              <a:rPr lang="en-US" altLang="ko-KR" dirty="0"/>
+              <a:t>A : append</a:t>
+            </a:r>
+          </a:p>
+          <a:p>
+            <a:pPr lvl="1"/>
+            <a:r>
+              <a:rPr lang="en-US" altLang="ko-KR" dirty="0"/>
+              <a:t>C : change</a:t>
+            </a:r>
+          </a:p>
+          <a:p>
+            <a:pPr lvl="1"/>
+            <a:r>
+              <a:rPr lang="en-US" altLang="ko-KR" dirty="0"/>
+              <a:t>U/u/~ : </a:t>
+            </a:r>
+            <a:r>
+              <a:rPr lang="ko-KR" altLang="en-US" dirty="0"/>
+              <a:t>대문자 </a:t>
+            </a:r>
+            <a:r>
+              <a:rPr lang="en-US" altLang="ko-KR" dirty="0"/>
+              <a:t>/ </a:t>
+            </a:r>
+            <a:r>
+              <a:rPr lang="ko-KR" altLang="en-US" dirty="0"/>
+              <a:t>소문자 </a:t>
+            </a:r>
+            <a:r>
+              <a:rPr lang="en-US" altLang="ko-KR" dirty="0"/>
+              <a:t>/ </a:t>
+            </a:r>
+            <a:r>
+              <a:rPr lang="ko-KR" altLang="en-US" dirty="0"/>
+              <a:t>대소문자 반대로 변환</a:t>
+            </a:r>
+            <a:endParaRPr lang="en-US" altLang="ko-KR" dirty="0"/>
+          </a:p>
+          <a:p>
+            <a:pPr lvl="1"/>
+            <a:endParaRPr lang="en-US" altLang="ko-KR" dirty="0"/>
+          </a:p>
+          <a:p>
+            <a:pPr>
+              <a:buFont typeface="Wingdings" panose="05000000000000000000" pitchFamily="2" charset="2"/>
+              <a:buChar char="ü"/>
+            </a:pPr>
+            <a:r>
+              <a:rPr lang="ko-KR" altLang="en-US" dirty="0"/>
+              <a:t>특정 열에 문자열을 삽입하는 경우</a:t>
+            </a:r>
+            <a:endParaRPr lang="en-US" altLang="ko-KR" dirty="0"/>
+          </a:p>
+          <a:p>
+            <a:pPr>
+              <a:buFont typeface="Wingdings" panose="05000000000000000000" pitchFamily="2" charset="2"/>
+              <a:buChar char="ü"/>
+            </a:pPr>
+            <a:r>
+              <a:rPr lang="ko-KR" altLang="en-US" dirty="0"/>
+              <a:t>특정 열에 문자열을 교체하는 경우</a:t>
+            </a:r>
+          </a:p>
+        </p:txBody>
+      </p:sp>
+      <p:cxnSp>
+        <p:nvCxnSpPr>
+          <p:cNvPr id="4" name="직선 연결선 3">
+            <a:extLst>
+              <a:ext uri="{FF2B5EF4-FFF2-40B4-BE49-F238E27FC236}">
+                <a16:creationId xmlns:a16="http://schemas.microsoft.com/office/drawing/2014/main" id="{58DCF4DF-9D5F-4299-B593-9272F078BFC9}"/>
+              </a:ext>
+            </a:extLst>
+          </p:cNvPr>
+          <p:cNvCxnSpPr>
+            <a:cxnSpLocks/>
+          </p:cNvCxnSpPr>
+          <p:nvPr/>
+        </p:nvCxnSpPr>
+        <p:spPr>
+          <a:xfrm>
+            <a:off x="614801" y="1690688"/>
+            <a:ext cx="11180120" cy="0"/>
+          </a:xfrm>
+          <a:prstGeom prst="line">
+            <a:avLst/>
+          </a:prstGeom>
+          <a:ln w="38100"/>
+        </p:spPr>
+        <p:style>
+          <a:lnRef idx="1">
+            <a:schemeClr val="accent1"/>
+          </a:lnRef>
+          <a:fillRef idx="0">
+            <a:schemeClr val="accent1"/>
+          </a:fillRef>
+          <a:effectRef idx="0">
+            <a:schemeClr val="accent1"/>
+          </a:effectRef>
+          <a:fontRef idx="minor">
+            <a:schemeClr val="tx1"/>
+          </a:fontRef>
+        </p:style>
+      </p:cxnSp>
+      <p:cxnSp>
+        <p:nvCxnSpPr>
+          <p:cNvPr id="5" name="직선 연결선 4">
+            <a:extLst>
+              <a:ext uri="{FF2B5EF4-FFF2-40B4-BE49-F238E27FC236}">
+                <a16:creationId xmlns:a16="http://schemas.microsoft.com/office/drawing/2014/main" id="{5B0C4EAB-6222-4890-AE3B-AF615A1FE2D9}"/>
+              </a:ext>
+            </a:extLst>
+          </p:cNvPr>
+          <p:cNvCxnSpPr>
+            <a:cxnSpLocks/>
+          </p:cNvCxnSpPr>
+          <p:nvPr/>
+        </p:nvCxnSpPr>
+        <p:spPr>
+          <a:xfrm flipH="1">
+            <a:off x="214925" y="1536554"/>
+            <a:ext cx="652945" cy="1114542"/>
+          </a:xfrm>
+          <a:prstGeom prst="line">
+            <a:avLst/>
+          </a:prstGeom>
+          <a:ln w="38100">
+            <a:solidFill>
+              <a:srgbClr val="00B050"/>
+            </a:solidFill>
+          </a:ln>
+        </p:spPr>
+        <p:style>
+          <a:lnRef idx="1">
+            <a:schemeClr val="accent1"/>
+          </a:lnRef>
+          <a:fillRef idx="0">
+            <a:schemeClr val="accent1"/>
+          </a:fillRef>
+          <a:effectRef idx="0">
+            <a:schemeClr val="accent1"/>
+          </a:effectRef>
+          <a:fontRef idx="minor">
+            <a:schemeClr val="tx1"/>
+          </a:fontRef>
+        </p:style>
+      </p:cxnSp>
+      <p:cxnSp>
+        <p:nvCxnSpPr>
+          <p:cNvPr id="6" name="직선 연결선 5">
+            <a:extLst>
+              <a:ext uri="{FF2B5EF4-FFF2-40B4-BE49-F238E27FC236}">
+                <a16:creationId xmlns:a16="http://schemas.microsoft.com/office/drawing/2014/main" id="{9DDDB02D-98EC-484D-BEBB-DC3ADB0DE3BF}"/>
+              </a:ext>
+            </a:extLst>
+          </p:cNvPr>
+          <p:cNvCxnSpPr>
+            <a:cxnSpLocks/>
+          </p:cNvCxnSpPr>
+          <p:nvPr/>
+        </p:nvCxnSpPr>
+        <p:spPr>
+          <a:xfrm flipH="1">
+            <a:off x="11480724" y="791244"/>
+            <a:ext cx="652945" cy="1114542"/>
+          </a:xfrm>
+          <a:prstGeom prst="line">
+            <a:avLst/>
+          </a:prstGeom>
+          <a:ln w="38100">
+            <a:solidFill>
+              <a:srgbClr val="00B050"/>
+            </a:solidFill>
+          </a:ln>
+        </p:spPr>
+        <p:style>
+          <a:lnRef idx="1">
+            <a:schemeClr val="accent1"/>
+          </a:lnRef>
+          <a:fillRef idx="0">
+            <a:schemeClr val="accent1"/>
+          </a:fillRef>
+          <a:effectRef idx="0">
+            <a:schemeClr val="accent1"/>
+          </a:effectRef>
+          <a:fontRef idx="minor">
+            <a:schemeClr val="tx1"/>
+          </a:fontRef>
+        </p:style>
+      </p:cxnSp>
+    </p:spTree>
+    <p:extLst>
+      <p:ext uri="{BB962C8B-B14F-4D97-AF65-F5344CB8AC3E}">
+        <p14:creationId xmlns:p14="http://schemas.microsoft.com/office/powerpoint/2010/main" val="1332288632"/>
+      </p:ext>
+    </p:extLst>
+  </p:cSld>
+  <p:clrMapOvr>
+    <a:masterClrMapping/>
+  </p:clrMapOvr>
+</p:sld>
+</file>
+
+<file path=ppt/slides/slide26.xml><?xml version="1.0" encoding="utf-8"?>
+<p:sld xmlns:a="http://schemas.openxmlformats.org/drawingml/2006/main" xmlns:r="http://schemas.openxmlformats.org/officeDocument/2006/relationships" xmlns:p="http://schemas.openxmlformats.org/presentationml/2006/main">
+  <p:cSld>
+    <p:spTree>
+      <p:nvGrpSpPr>
+        <p:cNvPr id="1" name=""/>
+        <p:cNvGrpSpPr/>
+        <p:nvPr/>
+      </p:nvGrpSpPr>
+      <p:grpSpPr>
+        <a:xfrm>
+          <a:off x="0" y="0"/>
+          <a:ext cx="0" cy="0"/>
+          <a:chOff x="0" y="0"/>
+          <a:chExt cx="0" cy="0"/>
+        </a:xfrm>
+      </p:grpSpPr>
+      <p:sp>
+        <p:nvSpPr>
+          <p:cNvPr id="2" name="제목 1">
+            <a:extLst>
+              <a:ext uri="{FF2B5EF4-FFF2-40B4-BE49-F238E27FC236}">
+                <a16:creationId xmlns:a16="http://schemas.microsoft.com/office/drawing/2014/main" id="{6EF13974-03B1-4493-9128-10D253009A43}"/>
+              </a:ext>
+            </a:extLst>
+          </p:cNvPr>
+          <p:cNvSpPr>
+            <a:spLocks noGrp="1"/>
+          </p:cNvSpPr>
+          <p:nvPr>
+            <p:ph type="title"/>
+          </p:nvPr>
+        </p:nvSpPr>
+        <p:spPr/>
+        <p:txBody>
+          <a:bodyPr/>
+          <a:lstStyle/>
+          <a:p>
+            <a:r>
+              <a:rPr lang="en-US" altLang="ko-KR" dirty="0"/>
+              <a:t>Linux  - Vim Editor</a:t>
+            </a:r>
+            <a:br>
+              <a:rPr lang="en-US" altLang="ko-KR" dirty="0"/>
+            </a:br>
+            <a:r>
+              <a:rPr lang="en-US" altLang="ko-KR" dirty="0"/>
+              <a:t>2. Vim </a:t>
+            </a:r>
+            <a:r>
+              <a:rPr lang="ko-KR" altLang="en-US" dirty="0"/>
+              <a:t>입문</a:t>
+            </a:r>
+          </a:p>
+        </p:txBody>
+      </p:sp>
+      <p:sp>
+        <p:nvSpPr>
+          <p:cNvPr id="3" name="내용 개체 틀 2">
+            <a:extLst>
+              <a:ext uri="{FF2B5EF4-FFF2-40B4-BE49-F238E27FC236}">
+                <a16:creationId xmlns:a16="http://schemas.microsoft.com/office/drawing/2014/main" id="{B8B20FF1-1A86-4C82-82C4-F4532F355931}"/>
+              </a:ext>
+            </a:extLst>
+          </p:cNvPr>
+          <p:cNvSpPr>
+            <a:spLocks noGrp="1"/>
+          </p:cNvSpPr>
+          <p:nvPr>
+            <p:ph idx="1"/>
+          </p:nvPr>
+        </p:nvSpPr>
+        <p:spPr/>
+        <p:txBody>
+          <a:bodyPr/>
+          <a:lstStyle/>
+          <a:p>
+            <a:r>
+              <a:rPr lang="ko-KR" altLang="en-US" dirty="0"/>
+              <a:t>찾아 바꾸기</a:t>
+            </a:r>
+          </a:p>
+        </p:txBody>
+      </p:sp>
+      <p:pic>
+        <p:nvPicPr>
+          <p:cNvPr id="4" name="그림 3">
+            <a:extLst>
+              <a:ext uri="{FF2B5EF4-FFF2-40B4-BE49-F238E27FC236}">
+                <a16:creationId xmlns:a16="http://schemas.microsoft.com/office/drawing/2014/main" id="{3A692C4B-E9D2-44C9-B861-16CF9CB61D54}"/>
+              </a:ext>
+            </a:extLst>
+          </p:cNvPr>
+          <p:cNvPicPr>
+            <a:picLocks noChangeAspect="1"/>
+          </p:cNvPicPr>
+          <p:nvPr/>
+        </p:nvPicPr>
+        <p:blipFill>
+          <a:blip r:embed="rId2"/>
+          <a:stretch>
+            <a:fillRect/>
+          </a:stretch>
+        </p:blipFill>
+        <p:spPr>
+          <a:xfrm>
+            <a:off x="913351" y="2516569"/>
+            <a:ext cx="4765995" cy="3649908"/>
+          </a:xfrm>
+          <a:prstGeom prst="rect">
+            <a:avLst/>
+          </a:prstGeom>
+          <a:ln w="38100" cap="sq">
+            <a:solidFill>
+              <a:srgbClr val="000000"/>
+            </a:solidFill>
+            <a:prstDash val="solid"/>
+            <a:miter lim="800000"/>
+          </a:ln>
+          <a:effectLst>
+            <a:outerShdw blurRad="50800" dist="38100" dir="2700000" algn="tl" rotWithShape="0">
+              <a:srgbClr val="000000">
+                <a:alpha val="43000"/>
+              </a:srgbClr>
+            </a:outerShdw>
+          </a:effectLst>
+        </p:spPr>
+      </p:pic>
+      <p:pic>
+        <p:nvPicPr>
+          <p:cNvPr id="5" name="그림 4">
+            <a:extLst>
+              <a:ext uri="{FF2B5EF4-FFF2-40B4-BE49-F238E27FC236}">
+                <a16:creationId xmlns:a16="http://schemas.microsoft.com/office/drawing/2014/main" id="{8EA56D34-E644-4173-A73A-1C7D5043255D}"/>
+              </a:ext>
+            </a:extLst>
+          </p:cNvPr>
+          <p:cNvPicPr>
+            <a:picLocks noChangeAspect="1"/>
+          </p:cNvPicPr>
+          <p:nvPr/>
+        </p:nvPicPr>
+        <p:blipFill>
+          <a:blip r:embed="rId3"/>
+          <a:stretch>
+            <a:fillRect/>
+          </a:stretch>
+        </p:blipFill>
+        <p:spPr>
+          <a:xfrm>
+            <a:off x="5931453" y="2564805"/>
+            <a:ext cx="5315443" cy="732067"/>
+          </a:xfrm>
+          <a:prstGeom prst="rect">
+            <a:avLst/>
+          </a:prstGeom>
+          <a:ln w="38100" cap="sq">
+            <a:solidFill>
+              <a:srgbClr val="000000"/>
+            </a:solidFill>
+            <a:prstDash val="solid"/>
+            <a:miter lim="800000"/>
+          </a:ln>
+          <a:effectLst>
+            <a:outerShdw blurRad="50800" dist="38100" dir="2700000" algn="tl" rotWithShape="0">
+              <a:srgbClr val="000000">
+                <a:alpha val="43000"/>
+              </a:srgbClr>
+            </a:outerShdw>
+          </a:effectLst>
+        </p:spPr>
+      </p:pic>
+      <p:cxnSp>
+        <p:nvCxnSpPr>
+          <p:cNvPr id="6" name="직선 연결선 5">
+            <a:extLst>
+              <a:ext uri="{FF2B5EF4-FFF2-40B4-BE49-F238E27FC236}">
+                <a16:creationId xmlns:a16="http://schemas.microsoft.com/office/drawing/2014/main" id="{94A59A90-16C5-46AB-ABB1-DB6759648152}"/>
+              </a:ext>
+            </a:extLst>
+          </p:cNvPr>
+          <p:cNvCxnSpPr>
+            <a:cxnSpLocks/>
+          </p:cNvCxnSpPr>
+          <p:nvPr/>
+        </p:nvCxnSpPr>
+        <p:spPr>
+          <a:xfrm>
+            <a:off x="614801" y="1690688"/>
+            <a:ext cx="11180120" cy="0"/>
+          </a:xfrm>
+          <a:prstGeom prst="line">
+            <a:avLst/>
+          </a:prstGeom>
+          <a:ln w="38100"/>
+        </p:spPr>
+        <p:style>
+          <a:lnRef idx="1">
+            <a:schemeClr val="accent1"/>
+          </a:lnRef>
+          <a:fillRef idx="0">
+            <a:schemeClr val="accent1"/>
+          </a:fillRef>
+          <a:effectRef idx="0">
+            <a:schemeClr val="accent1"/>
+          </a:effectRef>
+          <a:fontRef idx="minor">
+            <a:schemeClr val="tx1"/>
+          </a:fontRef>
+        </p:style>
+      </p:cxnSp>
+      <p:cxnSp>
+        <p:nvCxnSpPr>
+          <p:cNvPr id="7" name="직선 연결선 6">
+            <a:extLst>
+              <a:ext uri="{FF2B5EF4-FFF2-40B4-BE49-F238E27FC236}">
+                <a16:creationId xmlns:a16="http://schemas.microsoft.com/office/drawing/2014/main" id="{058C0EEE-1981-452B-A28A-FAE3DB8261BF}"/>
+              </a:ext>
+            </a:extLst>
+          </p:cNvPr>
+          <p:cNvCxnSpPr>
+            <a:cxnSpLocks/>
+          </p:cNvCxnSpPr>
+          <p:nvPr/>
+        </p:nvCxnSpPr>
+        <p:spPr>
+          <a:xfrm flipH="1">
+            <a:off x="214925" y="1536554"/>
+            <a:ext cx="652945" cy="1114542"/>
+          </a:xfrm>
+          <a:prstGeom prst="line">
+            <a:avLst/>
+          </a:prstGeom>
+          <a:ln w="38100">
+            <a:solidFill>
+              <a:srgbClr val="00B050"/>
+            </a:solidFill>
+          </a:ln>
+        </p:spPr>
+        <p:style>
+          <a:lnRef idx="1">
+            <a:schemeClr val="accent1"/>
+          </a:lnRef>
+          <a:fillRef idx="0">
+            <a:schemeClr val="accent1"/>
+          </a:fillRef>
+          <a:effectRef idx="0">
+            <a:schemeClr val="accent1"/>
+          </a:effectRef>
+          <a:fontRef idx="minor">
+            <a:schemeClr val="tx1"/>
+          </a:fontRef>
+        </p:style>
+      </p:cxnSp>
+      <p:cxnSp>
+        <p:nvCxnSpPr>
+          <p:cNvPr id="8" name="직선 연결선 7">
+            <a:extLst>
+              <a:ext uri="{FF2B5EF4-FFF2-40B4-BE49-F238E27FC236}">
+                <a16:creationId xmlns:a16="http://schemas.microsoft.com/office/drawing/2014/main" id="{06DF8857-F61B-4749-9299-C331594D726B}"/>
+              </a:ext>
+            </a:extLst>
+          </p:cNvPr>
+          <p:cNvCxnSpPr>
+            <a:cxnSpLocks/>
+          </p:cNvCxnSpPr>
+          <p:nvPr/>
+        </p:nvCxnSpPr>
+        <p:spPr>
+          <a:xfrm flipH="1">
+            <a:off x="11480724" y="791244"/>
+            <a:ext cx="652945" cy="1114542"/>
+          </a:xfrm>
+          <a:prstGeom prst="line">
+            <a:avLst/>
+          </a:prstGeom>
+          <a:ln w="38100">
+            <a:solidFill>
+              <a:srgbClr val="00B050"/>
+            </a:solidFill>
+          </a:ln>
+        </p:spPr>
+        <p:style>
+          <a:lnRef idx="1">
+            <a:schemeClr val="accent1"/>
+          </a:lnRef>
+          <a:fillRef idx="0">
+            <a:schemeClr val="accent1"/>
+          </a:fillRef>
+          <a:effectRef idx="0">
+            <a:schemeClr val="accent1"/>
+          </a:effectRef>
+          <a:fontRef idx="minor">
+            <a:schemeClr val="tx1"/>
+          </a:fontRef>
+        </p:style>
+      </p:cxnSp>
+    </p:spTree>
+    <p:extLst>
+      <p:ext uri="{BB962C8B-B14F-4D97-AF65-F5344CB8AC3E}">
+        <p14:creationId xmlns:p14="http://schemas.microsoft.com/office/powerpoint/2010/main" val="2721875592"/>
+      </p:ext>
+    </p:extLst>
+  </p:cSld>
+  <p:clrMapOvr>
+    <a:masterClrMapping/>
+  </p:clrMapOvr>
+</p:sld>
+</file>
+
+<file path=ppt/slides/slide27.xml><?xml version="1.0" encoding="utf-8"?>
+<p:sld xmlns:a="http://schemas.openxmlformats.org/drawingml/2006/main" xmlns:r="http://schemas.openxmlformats.org/officeDocument/2006/relationships" xmlns:p="http://schemas.openxmlformats.org/presentationml/2006/main">
+  <p:cSld>
+    <p:spTree>
+      <p:nvGrpSpPr>
+        <p:cNvPr id="1" name=""/>
+        <p:cNvGrpSpPr/>
+        <p:nvPr/>
+      </p:nvGrpSpPr>
+      <p:grpSpPr>
+        <a:xfrm>
+          <a:off x="0" y="0"/>
+          <a:ext cx="0" cy="0"/>
+          <a:chOff x="0" y="0"/>
+          <a:chExt cx="0" cy="0"/>
+        </a:xfrm>
+      </p:grpSpPr>
+      <p:sp>
+        <p:nvSpPr>
+          <p:cNvPr id="2" name="제목 1">
+            <a:extLst>
+              <a:ext uri="{FF2B5EF4-FFF2-40B4-BE49-F238E27FC236}">
+                <a16:creationId xmlns:a16="http://schemas.microsoft.com/office/drawing/2014/main" id="{F98AF271-7A92-44FB-AB8F-3CD81F7F3537}"/>
+              </a:ext>
+            </a:extLst>
+          </p:cNvPr>
+          <p:cNvSpPr>
+            <a:spLocks noGrp="1"/>
+          </p:cNvSpPr>
+          <p:nvPr>
+            <p:ph type="title"/>
+          </p:nvPr>
+        </p:nvSpPr>
+        <p:spPr/>
+        <p:txBody>
+          <a:bodyPr/>
+          <a:lstStyle/>
+          <a:p>
+            <a:r>
+              <a:rPr lang="ko-KR" altLang="en-US" dirty="0"/>
+              <a:t>정리</a:t>
+            </a:r>
+          </a:p>
+        </p:txBody>
+      </p:sp>
+      <p:pic>
+        <p:nvPicPr>
+          <p:cNvPr id="4" name="내용 개체 틀 3">
+            <a:extLst>
+              <a:ext uri="{FF2B5EF4-FFF2-40B4-BE49-F238E27FC236}">
+                <a16:creationId xmlns:a16="http://schemas.microsoft.com/office/drawing/2014/main" id="{9B769C03-6961-4383-9B4E-1051FA84F46D}"/>
+              </a:ext>
+            </a:extLst>
+          </p:cNvPr>
+          <p:cNvPicPr>
+            <a:picLocks noGrp="1" noChangeAspect="1"/>
+          </p:cNvPicPr>
+          <p:nvPr>
+            <p:ph idx="1"/>
+          </p:nvPr>
+        </p:nvPicPr>
+        <p:blipFill>
+          <a:blip r:embed="rId2"/>
+          <a:stretch>
+            <a:fillRect/>
+          </a:stretch>
+        </p:blipFill>
+        <p:spPr>
+          <a:xfrm>
+            <a:off x="838199" y="1610686"/>
+            <a:ext cx="5076039" cy="4641778"/>
+          </a:xfrm>
+          <a:prstGeom prst="rect">
+            <a:avLst/>
+          </a:prstGeom>
+          <a:ln w="38100" cap="sq">
+            <a:solidFill>
+              <a:srgbClr val="000000"/>
+            </a:solidFill>
+            <a:prstDash val="solid"/>
+            <a:miter lim="800000"/>
+          </a:ln>
+          <a:effectLst>
+            <a:outerShdw blurRad="50800" dist="38100" dir="2700000" algn="tl" rotWithShape="0">
+              <a:srgbClr val="000000">
+                <a:alpha val="43000"/>
+              </a:srgbClr>
+            </a:outerShdw>
+          </a:effectLst>
+        </p:spPr>
+      </p:pic>
+      <p:pic>
+        <p:nvPicPr>
+          <p:cNvPr id="5" name="그림 4">
+            <a:extLst>
+              <a:ext uri="{FF2B5EF4-FFF2-40B4-BE49-F238E27FC236}">
+                <a16:creationId xmlns:a16="http://schemas.microsoft.com/office/drawing/2014/main" id="{912EC0BB-A218-4707-9FCC-5C1C571A368C}"/>
+              </a:ext>
+            </a:extLst>
+          </p:cNvPr>
+          <p:cNvPicPr>
+            <a:picLocks noChangeAspect="1"/>
+          </p:cNvPicPr>
+          <p:nvPr/>
+        </p:nvPicPr>
+        <p:blipFill>
+          <a:blip r:embed="rId3"/>
+          <a:stretch>
+            <a:fillRect/>
+          </a:stretch>
+        </p:blipFill>
+        <p:spPr>
+          <a:xfrm>
+            <a:off x="7184298" y="282051"/>
+            <a:ext cx="4333787" cy="2105025"/>
+          </a:xfrm>
+          <a:prstGeom prst="rect">
+            <a:avLst/>
+          </a:prstGeom>
+          <a:ln w="38100" cap="sq">
+            <a:solidFill>
+              <a:srgbClr val="000000"/>
+            </a:solidFill>
+            <a:prstDash val="solid"/>
+            <a:miter lim="800000"/>
+          </a:ln>
+          <a:effectLst>
+            <a:outerShdw blurRad="50800" dist="38100" dir="2700000" algn="tl" rotWithShape="0">
+              <a:srgbClr val="000000">
+                <a:alpha val="43000"/>
+              </a:srgbClr>
+            </a:outerShdw>
+          </a:effectLst>
+        </p:spPr>
+      </p:pic>
+      <p:pic>
+        <p:nvPicPr>
+          <p:cNvPr id="6" name="그림 5">
+            <a:extLst>
+              <a:ext uri="{FF2B5EF4-FFF2-40B4-BE49-F238E27FC236}">
+                <a16:creationId xmlns:a16="http://schemas.microsoft.com/office/drawing/2014/main" id="{C6CF8256-9DC8-4FE3-97FD-A1209DACF263}"/>
+              </a:ext>
+            </a:extLst>
+          </p:cNvPr>
+          <p:cNvPicPr>
+            <a:picLocks noChangeAspect="1"/>
+          </p:cNvPicPr>
+          <p:nvPr/>
+        </p:nvPicPr>
+        <p:blipFill>
+          <a:blip r:embed="rId4"/>
+          <a:stretch>
+            <a:fillRect/>
+          </a:stretch>
+        </p:blipFill>
+        <p:spPr>
+          <a:xfrm>
+            <a:off x="7184299" y="2869035"/>
+            <a:ext cx="4333788" cy="3383429"/>
+          </a:xfrm>
+          <a:prstGeom prst="rect">
+            <a:avLst/>
+          </a:prstGeom>
+          <a:ln w="38100" cap="sq">
+            <a:solidFill>
+              <a:srgbClr val="000000"/>
+            </a:solidFill>
+            <a:prstDash val="solid"/>
+            <a:miter lim="800000"/>
+          </a:ln>
+          <a:effectLst>
+            <a:outerShdw blurRad="50800" dist="38100" dir="2700000" algn="tl" rotWithShape="0">
+              <a:srgbClr val="000000">
+                <a:alpha val="43000"/>
+              </a:srgbClr>
+            </a:outerShdw>
+          </a:effectLst>
+        </p:spPr>
+      </p:pic>
+      <p:cxnSp>
+        <p:nvCxnSpPr>
+          <p:cNvPr id="7" name="직선 연결선 6">
+            <a:extLst>
+              <a:ext uri="{FF2B5EF4-FFF2-40B4-BE49-F238E27FC236}">
+                <a16:creationId xmlns:a16="http://schemas.microsoft.com/office/drawing/2014/main" id="{749E78DA-4205-455D-B0C9-E79C0FF10577}"/>
+              </a:ext>
+            </a:extLst>
+          </p:cNvPr>
+          <p:cNvCxnSpPr>
+            <a:cxnSpLocks/>
+          </p:cNvCxnSpPr>
+          <p:nvPr/>
+        </p:nvCxnSpPr>
+        <p:spPr>
+          <a:xfrm>
+            <a:off x="614801" y="1406002"/>
+            <a:ext cx="5662963" cy="0"/>
+          </a:xfrm>
+          <a:prstGeom prst="line">
+            <a:avLst/>
+          </a:prstGeom>
+          <a:ln w="38100"/>
+        </p:spPr>
+        <p:style>
+          <a:lnRef idx="1">
+            <a:schemeClr val="accent1"/>
+          </a:lnRef>
+          <a:fillRef idx="0">
+            <a:schemeClr val="accent1"/>
+          </a:fillRef>
+          <a:effectRef idx="0">
+            <a:schemeClr val="accent1"/>
+          </a:effectRef>
+          <a:fontRef idx="minor">
+            <a:schemeClr val="tx1"/>
+          </a:fontRef>
+        </p:style>
+      </p:cxnSp>
+      <p:cxnSp>
+        <p:nvCxnSpPr>
+          <p:cNvPr id="8" name="직선 연결선 7">
+            <a:extLst>
+              <a:ext uri="{FF2B5EF4-FFF2-40B4-BE49-F238E27FC236}">
+                <a16:creationId xmlns:a16="http://schemas.microsoft.com/office/drawing/2014/main" id="{BD71C22A-D126-400D-BFA9-1340DE180599}"/>
+              </a:ext>
+            </a:extLst>
+          </p:cNvPr>
+          <p:cNvCxnSpPr>
+            <a:cxnSpLocks/>
+          </p:cNvCxnSpPr>
+          <p:nvPr/>
+        </p:nvCxnSpPr>
+        <p:spPr>
+          <a:xfrm flipH="1">
+            <a:off x="362782" y="1251868"/>
+            <a:ext cx="505089" cy="862158"/>
+          </a:xfrm>
+          <a:prstGeom prst="line">
+            <a:avLst/>
+          </a:prstGeom>
+          <a:ln w="38100">
+            <a:solidFill>
+              <a:srgbClr val="00B050"/>
+            </a:solidFill>
+          </a:ln>
+        </p:spPr>
+        <p:style>
+          <a:lnRef idx="1">
+            <a:schemeClr val="accent1"/>
+          </a:lnRef>
+          <a:fillRef idx="0">
+            <a:schemeClr val="accent1"/>
+          </a:fillRef>
+          <a:effectRef idx="0">
+            <a:schemeClr val="accent1"/>
+          </a:effectRef>
+          <a:fontRef idx="minor">
+            <a:schemeClr val="tx1"/>
+          </a:fontRef>
+        </p:style>
+      </p:cxnSp>
+      <p:cxnSp>
+        <p:nvCxnSpPr>
+          <p:cNvPr id="9" name="직선 연결선 8">
+            <a:extLst>
+              <a:ext uri="{FF2B5EF4-FFF2-40B4-BE49-F238E27FC236}">
+                <a16:creationId xmlns:a16="http://schemas.microsoft.com/office/drawing/2014/main" id="{9301072B-2263-4C37-AEAC-6DB40BB393A9}"/>
+              </a:ext>
+            </a:extLst>
+          </p:cNvPr>
+          <p:cNvCxnSpPr>
+            <a:cxnSpLocks/>
+          </p:cNvCxnSpPr>
+          <p:nvPr/>
+        </p:nvCxnSpPr>
+        <p:spPr>
+          <a:xfrm flipH="1">
+            <a:off x="6078085" y="786152"/>
+            <a:ext cx="468103" cy="799025"/>
+          </a:xfrm>
+          <a:prstGeom prst="line">
+            <a:avLst/>
+          </a:prstGeom>
+          <a:ln w="38100">
+            <a:solidFill>
+              <a:srgbClr val="00B050"/>
+            </a:solidFill>
+          </a:ln>
+        </p:spPr>
+        <p:style>
+          <a:lnRef idx="1">
+            <a:schemeClr val="accent1"/>
+          </a:lnRef>
+          <a:fillRef idx="0">
+            <a:schemeClr val="accent1"/>
+          </a:fillRef>
+          <a:effectRef idx="0">
+            <a:schemeClr val="accent1"/>
+          </a:effectRef>
+          <a:fontRef idx="minor">
+            <a:schemeClr val="tx1"/>
+          </a:fontRef>
+        </p:style>
+      </p:cxnSp>
+    </p:spTree>
+    <p:extLst>
+      <p:ext uri="{BB962C8B-B14F-4D97-AF65-F5344CB8AC3E}">
+        <p14:creationId xmlns:p14="http://schemas.microsoft.com/office/powerpoint/2010/main" val="4026103330"/>
+      </p:ext>
+    </p:extLst>
+  </p:cSld>
+  <p:clrMapOvr>
+    <a:masterClrMapping/>
+  </p:clrMapOvr>
+</p:sld>
+</file>
+
+<file path=ppt/slides/slide28.xml><?xml version="1.0" encoding="utf-8"?>
+<p:sld xmlns:a="http://schemas.openxmlformats.org/drawingml/2006/main" xmlns:r="http://schemas.openxmlformats.org/officeDocument/2006/relationships" xmlns:p="http://schemas.openxmlformats.org/presentationml/2006/main">
+  <p:cSld>
+    <p:spTree>
+      <p:nvGrpSpPr>
+        <p:cNvPr id="1" name=""/>
+        <p:cNvGrpSpPr/>
+        <p:nvPr/>
+      </p:nvGrpSpPr>
+      <p:grpSpPr>
+        <a:xfrm>
+          <a:off x="0" y="0"/>
+          <a:ext cx="0" cy="0"/>
+          <a:chOff x="0" y="0"/>
+          <a:chExt cx="0" cy="0"/>
+        </a:xfrm>
+      </p:grpSpPr>
+      <p:sp>
+        <p:nvSpPr>
+          <p:cNvPr id="2" name="제목 1">
+            <a:extLst>
+              <a:ext uri="{FF2B5EF4-FFF2-40B4-BE49-F238E27FC236}">
+                <a16:creationId xmlns:a16="http://schemas.microsoft.com/office/drawing/2014/main" id="{E1305CBE-4713-4787-9A3A-476B0D2C30D1}"/>
+              </a:ext>
+            </a:extLst>
+          </p:cNvPr>
+          <p:cNvSpPr>
+            <a:spLocks noGrp="1"/>
+          </p:cNvSpPr>
+          <p:nvPr>
+            <p:ph type="title"/>
+          </p:nvPr>
+        </p:nvSpPr>
+        <p:spPr/>
+        <p:txBody>
+          <a:bodyPr/>
+          <a:lstStyle/>
+          <a:p>
+            <a:r>
+              <a:rPr lang="ko-KR" altLang="en-US" dirty="0"/>
+              <a:t>정리</a:t>
+            </a:r>
+          </a:p>
+        </p:txBody>
+      </p:sp>
+      <p:pic>
+        <p:nvPicPr>
+          <p:cNvPr id="4" name="내용 개체 틀 3">
+            <a:extLst>
+              <a:ext uri="{FF2B5EF4-FFF2-40B4-BE49-F238E27FC236}">
+                <a16:creationId xmlns:a16="http://schemas.microsoft.com/office/drawing/2014/main" id="{E3282E99-74B6-42F4-B36B-596AAFCE320E}"/>
+              </a:ext>
+            </a:extLst>
+          </p:cNvPr>
+          <p:cNvPicPr>
+            <a:picLocks noGrp="1" noChangeAspect="1"/>
+          </p:cNvPicPr>
+          <p:nvPr>
+            <p:ph idx="1"/>
+          </p:nvPr>
+        </p:nvPicPr>
+        <p:blipFill>
+          <a:blip r:embed="rId2"/>
+          <a:stretch>
+            <a:fillRect/>
+          </a:stretch>
+        </p:blipFill>
+        <p:spPr>
+          <a:xfrm>
+            <a:off x="838199" y="2115518"/>
+            <a:ext cx="4928867" cy="3267074"/>
+          </a:xfrm>
+          <a:prstGeom prst="rect">
+            <a:avLst/>
+          </a:prstGeom>
+          <a:ln w="38100" cap="sq">
+            <a:solidFill>
+              <a:srgbClr val="000000"/>
+            </a:solidFill>
+            <a:prstDash val="solid"/>
+            <a:miter lim="800000"/>
+          </a:ln>
+          <a:effectLst>
+            <a:outerShdw blurRad="50800" dist="38100" dir="2700000" algn="tl" rotWithShape="0">
+              <a:srgbClr val="000000">
+                <a:alpha val="43000"/>
+              </a:srgbClr>
+            </a:outerShdw>
+          </a:effectLst>
+        </p:spPr>
+      </p:pic>
+      <p:pic>
+        <p:nvPicPr>
+          <p:cNvPr id="5" name="그림 4">
+            <a:extLst>
+              <a:ext uri="{FF2B5EF4-FFF2-40B4-BE49-F238E27FC236}">
+                <a16:creationId xmlns:a16="http://schemas.microsoft.com/office/drawing/2014/main" id="{2DC388B3-468A-4FE1-8C63-8995765CDC62}"/>
+              </a:ext>
+            </a:extLst>
+          </p:cNvPr>
+          <p:cNvPicPr>
+            <a:picLocks noChangeAspect="1"/>
+          </p:cNvPicPr>
+          <p:nvPr/>
+        </p:nvPicPr>
+        <p:blipFill>
+          <a:blip r:embed="rId3"/>
+          <a:stretch>
+            <a:fillRect/>
+          </a:stretch>
+        </p:blipFill>
+        <p:spPr>
+          <a:xfrm>
+            <a:off x="6424936" y="2115518"/>
+            <a:ext cx="4552950" cy="3267075"/>
+          </a:xfrm>
+          <a:prstGeom prst="rect">
+            <a:avLst/>
+          </a:prstGeom>
+          <a:ln w="38100" cap="sq">
+            <a:solidFill>
+              <a:srgbClr val="000000"/>
+            </a:solidFill>
+            <a:prstDash val="solid"/>
+            <a:miter lim="800000"/>
+          </a:ln>
+          <a:effectLst>
+            <a:outerShdw blurRad="50800" dist="38100" dir="2700000" algn="tl" rotWithShape="0">
+              <a:srgbClr val="000000">
+                <a:alpha val="43000"/>
+              </a:srgbClr>
+            </a:outerShdw>
+          </a:effectLst>
+        </p:spPr>
+      </p:pic>
+      <p:cxnSp>
+        <p:nvCxnSpPr>
+          <p:cNvPr id="6" name="직선 연결선 5">
+            <a:extLst>
+              <a:ext uri="{FF2B5EF4-FFF2-40B4-BE49-F238E27FC236}">
+                <a16:creationId xmlns:a16="http://schemas.microsoft.com/office/drawing/2014/main" id="{6726BA4D-8DE2-4143-9D2C-35D88363DA31}"/>
+              </a:ext>
+            </a:extLst>
+          </p:cNvPr>
+          <p:cNvCxnSpPr>
+            <a:cxnSpLocks/>
+          </p:cNvCxnSpPr>
+          <p:nvPr/>
+        </p:nvCxnSpPr>
+        <p:spPr>
+          <a:xfrm>
+            <a:off x="614801" y="1406002"/>
+            <a:ext cx="5662963" cy="0"/>
+          </a:xfrm>
+          <a:prstGeom prst="line">
+            <a:avLst/>
+          </a:prstGeom>
+          <a:ln w="38100"/>
+        </p:spPr>
+        <p:style>
+          <a:lnRef idx="1">
+            <a:schemeClr val="accent1"/>
+          </a:lnRef>
+          <a:fillRef idx="0">
+            <a:schemeClr val="accent1"/>
+          </a:fillRef>
+          <a:effectRef idx="0">
+            <a:schemeClr val="accent1"/>
+          </a:effectRef>
+          <a:fontRef idx="minor">
+            <a:schemeClr val="tx1"/>
+          </a:fontRef>
+        </p:style>
+      </p:cxnSp>
+      <p:cxnSp>
+        <p:nvCxnSpPr>
+          <p:cNvPr id="7" name="직선 연결선 6">
+            <a:extLst>
+              <a:ext uri="{FF2B5EF4-FFF2-40B4-BE49-F238E27FC236}">
+                <a16:creationId xmlns:a16="http://schemas.microsoft.com/office/drawing/2014/main" id="{92B8391F-DF0F-4CB8-AC89-727D88092CF0}"/>
+              </a:ext>
+            </a:extLst>
+          </p:cNvPr>
+          <p:cNvCxnSpPr>
+            <a:cxnSpLocks/>
+          </p:cNvCxnSpPr>
+          <p:nvPr/>
+        </p:nvCxnSpPr>
+        <p:spPr>
+          <a:xfrm flipH="1">
+            <a:off x="362782" y="1251868"/>
+            <a:ext cx="505089" cy="862158"/>
+          </a:xfrm>
+          <a:prstGeom prst="line">
+            <a:avLst/>
+          </a:prstGeom>
+          <a:ln w="38100">
+            <a:solidFill>
+              <a:srgbClr val="00B050"/>
+            </a:solidFill>
+          </a:ln>
+        </p:spPr>
+        <p:style>
+          <a:lnRef idx="1">
+            <a:schemeClr val="accent1"/>
+          </a:lnRef>
+          <a:fillRef idx="0">
+            <a:schemeClr val="accent1"/>
+          </a:fillRef>
+          <a:effectRef idx="0">
+            <a:schemeClr val="accent1"/>
+          </a:effectRef>
+          <a:fontRef idx="minor">
+            <a:schemeClr val="tx1"/>
+          </a:fontRef>
+        </p:style>
+      </p:cxnSp>
+      <p:cxnSp>
+        <p:nvCxnSpPr>
+          <p:cNvPr id="8" name="직선 연결선 7">
+            <a:extLst>
+              <a:ext uri="{FF2B5EF4-FFF2-40B4-BE49-F238E27FC236}">
+                <a16:creationId xmlns:a16="http://schemas.microsoft.com/office/drawing/2014/main" id="{7B4A196A-DDCE-40EB-BF78-9665E1C22472}"/>
+              </a:ext>
+            </a:extLst>
+          </p:cNvPr>
+          <p:cNvCxnSpPr>
+            <a:cxnSpLocks/>
+          </p:cNvCxnSpPr>
+          <p:nvPr/>
+        </p:nvCxnSpPr>
+        <p:spPr>
+          <a:xfrm flipH="1">
+            <a:off x="6078085" y="786152"/>
+            <a:ext cx="468103" cy="799025"/>
+          </a:xfrm>
+          <a:prstGeom prst="line">
+            <a:avLst/>
+          </a:prstGeom>
+          <a:ln w="38100">
+            <a:solidFill>
+              <a:srgbClr val="00B050"/>
+            </a:solidFill>
+          </a:ln>
+        </p:spPr>
+        <p:style>
+          <a:lnRef idx="1">
+            <a:schemeClr val="accent1"/>
+          </a:lnRef>
+          <a:fillRef idx="0">
+            <a:schemeClr val="accent1"/>
+          </a:fillRef>
+          <a:effectRef idx="0">
+            <a:schemeClr val="accent1"/>
+          </a:effectRef>
+          <a:fontRef idx="minor">
+            <a:schemeClr val="tx1"/>
+          </a:fontRef>
+        </p:style>
+      </p:cxnSp>
+    </p:spTree>
+    <p:extLst>
+      <p:ext uri="{BB962C8B-B14F-4D97-AF65-F5344CB8AC3E}">
+        <p14:creationId xmlns:p14="http://schemas.microsoft.com/office/powerpoint/2010/main" val="3900637703"/>
+      </p:ext>
+    </p:extLst>
+  </p:cSld>
+  <p:clrMapOvr>
+    <a:masterClrMapping/>
+  </p:clrMapOvr>
+</p:sld>
+</file>
+
+<file path=ppt/slides/slide29.xml><?xml version="1.0" encoding="utf-8"?>
+<p:sld xmlns:a="http://schemas.openxmlformats.org/drawingml/2006/main" xmlns:r="http://schemas.openxmlformats.org/officeDocument/2006/relationships" xmlns:p="http://schemas.openxmlformats.org/presentationml/2006/main">
+  <p:cSld>
+    <p:spTree>
+      <p:nvGrpSpPr>
+        <p:cNvPr id="1" name=""/>
+        <p:cNvGrpSpPr/>
+        <p:nvPr/>
+      </p:nvGrpSpPr>
+      <p:grpSpPr>
+        <a:xfrm>
+          <a:off x="0" y="0"/>
+          <a:ext cx="0" cy="0"/>
+          <a:chOff x="0" y="0"/>
+          <a:chExt cx="0" cy="0"/>
+        </a:xfrm>
+      </p:grpSpPr>
+      <p:sp>
+        <p:nvSpPr>
+          <p:cNvPr id="2" name="제목 1">
+            <a:extLst>
+              <a:ext uri="{FF2B5EF4-FFF2-40B4-BE49-F238E27FC236}">
+                <a16:creationId xmlns:a16="http://schemas.microsoft.com/office/drawing/2014/main" id="{5AA1DC7B-F47B-4315-8A50-1A8E8EC505BB}"/>
+              </a:ext>
+            </a:extLst>
+          </p:cNvPr>
+          <p:cNvSpPr>
+            <a:spLocks noGrp="1"/>
+          </p:cNvSpPr>
+          <p:nvPr>
+            <p:ph type="title"/>
+          </p:nvPr>
+        </p:nvSpPr>
+        <p:spPr/>
+        <p:txBody>
+          <a:bodyPr/>
+          <a:lstStyle/>
+          <a:p>
+            <a:r>
+              <a:rPr lang="ko-KR" altLang="en-US" dirty="0"/>
+              <a:t>감사합니다</a:t>
+            </a:r>
+            <a:r>
+              <a:rPr lang="en-US" altLang="ko-KR" dirty="0"/>
+              <a:t>.</a:t>
+            </a:r>
+            <a:endParaRPr lang="ko-KR" altLang="en-US" dirty="0"/>
+          </a:p>
+        </p:txBody>
+      </p:sp>
+      <p:sp>
+        <p:nvSpPr>
+          <p:cNvPr id="3" name="내용 개체 틀 2">
+            <a:extLst>
+              <a:ext uri="{FF2B5EF4-FFF2-40B4-BE49-F238E27FC236}">
+                <a16:creationId xmlns:a16="http://schemas.microsoft.com/office/drawing/2014/main" id="{7F74AE79-B5E1-4DC4-921D-18BE515FDE3F}"/>
+              </a:ext>
+            </a:extLst>
+          </p:cNvPr>
+          <p:cNvSpPr>
+            <a:spLocks noGrp="1"/>
+          </p:cNvSpPr>
+          <p:nvPr>
+            <p:ph idx="1"/>
+          </p:nvPr>
+        </p:nvSpPr>
+        <p:spPr/>
+        <p:txBody>
+          <a:bodyPr/>
+          <a:lstStyle/>
+          <a:p>
+            <a:r>
+              <a:rPr lang="ko-KR" altLang="en-US" dirty="0"/>
+              <a:t>참고</a:t>
+            </a:r>
+            <a:endParaRPr lang="en-US" altLang="ko-KR" dirty="0"/>
+          </a:p>
+          <a:p>
+            <a:endParaRPr lang="en-US" altLang="ko-KR" dirty="0"/>
+          </a:p>
+          <a:p>
+            <a:r>
               <a:rPr lang="en-US" altLang="ko-KR" dirty="0">
                 <a:hlinkClick r:id="rId2"/>
               </a:rPr>
-              <a:t>Vim </a:t>
-            </a:r>
-            <a:r>
-              <a:rPr lang="ko-KR" altLang="en-US" dirty="0">
-                <a:hlinkClick r:id="rId2"/>
-              </a:rPr>
-              <a:t>사용하기 </a:t>
-            </a:r>
-            <a:r>
-              <a:rPr lang="en-US" altLang="ko-KR" dirty="0">
-                <a:hlinkClick r:id="rId2"/>
-              </a:rPr>
-              <a:t>: Vim</a:t>
-            </a:r>
-            <a:r>
-              <a:rPr lang="ko-KR" altLang="en-US" dirty="0">
-                <a:hlinkClick r:id="rId2"/>
-              </a:rPr>
-              <a:t>으로 나만의 멋진 개발환경을 만들어 보자 </a:t>
-            </a:r>
-            <a:r>
-              <a:rPr lang="en-US" altLang="ko-KR" dirty="0">
-                <a:hlinkClick r:id="rId2"/>
-              </a:rPr>
-              <a:t>– DATA ON-AIR (dataonair.or.kr)</a:t>
+              <a:t>https://dataonair.or.kr/db-tech-reference/d-lounge/technical-data/?mod=document&amp;uid=235875</a:t>
             </a:r>
             <a:endParaRPr lang="en-US" altLang="ko-KR" dirty="0"/>
           </a:p>
@@ -5913,40 +9844,144 @@
             <a:endParaRPr lang="en-US" altLang="ko-KR" dirty="0"/>
           </a:p>
           <a:p>
-            <a:r>
-              <a:rPr lang="ko-KR" altLang="en-US" dirty="0">
-                <a:hlinkClick r:id="rId3"/>
-              </a:rPr>
-              <a:t>손에 잡히는 </a:t>
-            </a:r>
             <a:r>
               <a:rPr lang="en-US" altLang="ko-KR" dirty="0">
                 <a:hlinkClick r:id="rId3"/>
               </a:rPr>
-              <a:t>vim </a:t>
-            </a:r>
-            <a:r>
-              <a:rPr lang="ko-KR" altLang="en-US" dirty="0" err="1">
-                <a:hlinkClick r:id="rId3"/>
-              </a:rPr>
-              <a:t>프리젠테이션</a:t>
-            </a:r>
-            <a:r>
-              <a:rPr lang="ko-KR" altLang="en-US" dirty="0">
-                <a:hlinkClick r:id="rId3"/>
-              </a:rPr>
-              <a:t> 파일 </a:t>
-            </a:r>
-            <a:r>
-              <a:rPr lang="en-US" altLang="ko-KR" dirty="0">
-                <a:hlinkClick r:id="rId3"/>
-              </a:rPr>
-              <a:t>(tistory.com)</a:t>
-            </a:r>
-            <a:endParaRPr lang="ko-KR" altLang="en-US" dirty="0"/>
+              <a:t>https://sunyzero.tistory.com/222</a:t>
+            </a:r>
+            <a:endParaRPr lang="en-US" altLang="ko-KR" dirty="0"/>
+          </a:p>
+          <a:p>
+            <a:endParaRPr lang="en-US" altLang="ko-KR" dirty="0"/>
           </a:p>
         </p:txBody>
       </p:sp>
+      <p:cxnSp>
+        <p:nvCxnSpPr>
+          <p:cNvPr id="4" name="직선 연결선 3">
+            <a:extLst>
+              <a:ext uri="{FF2B5EF4-FFF2-40B4-BE49-F238E27FC236}">
+                <a16:creationId xmlns:a16="http://schemas.microsoft.com/office/drawing/2014/main" id="{E0FD2DC2-BB30-4CFB-9327-6A6926B9D8F8}"/>
+              </a:ext>
+            </a:extLst>
+          </p:cNvPr>
+          <p:cNvCxnSpPr>
+            <a:cxnSpLocks/>
+          </p:cNvCxnSpPr>
+          <p:nvPr/>
+        </p:nvCxnSpPr>
+        <p:spPr>
+          <a:xfrm>
+            <a:off x="614801" y="1406002"/>
+            <a:ext cx="5662963" cy="0"/>
+          </a:xfrm>
+          <a:prstGeom prst="line">
+            <a:avLst/>
+          </a:prstGeom>
+          <a:ln w="38100"/>
+        </p:spPr>
+        <p:style>
+          <a:lnRef idx="1">
+            <a:schemeClr val="accent1"/>
+          </a:lnRef>
+          <a:fillRef idx="0">
+            <a:schemeClr val="accent1"/>
+          </a:fillRef>
+          <a:effectRef idx="0">
+            <a:schemeClr val="accent1"/>
+          </a:effectRef>
+          <a:fontRef idx="minor">
+            <a:schemeClr val="tx1"/>
+          </a:fontRef>
+        </p:style>
+      </p:cxnSp>
+      <p:cxnSp>
+        <p:nvCxnSpPr>
+          <p:cNvPr id="5" name="직선 연결선 4">
+            <a:extLst>
+              <a:ext uri="{FF2B5EF4-FFF2-40B4-BE49-F238E27FC236}">
+                <a16:creationId xmlns:a16="http://schemas.microsoft.com/office/drawing/2014/main" id="{D2F2A603-B5ED-4B40-99E7-6BF74A030E79}"/>
+              </a:ext>
+            </a:extLst>
+          </p:cNvPr>
+          <p:cNvCxnSpPr>
+            <a:cxnSpLocks/>
+          </p:cNvCxnSpPr>
+          <p:nvPr/>
+        </p:nvCxnSpPr>
+        <p:spPr>
+          <a:xfrm flipH="1">
+            <a:off x="362782" y="1251868"/>
+            <a:ext cx="505089" cy="862158"/>
+          </a:xfrm>
+          <a:prstGeom prst="line">
+            <a:avLst/>
+          </a:prstGeom>
+          <a:ln w="38100">
+            <a:solidFill>
+              <a:srgbClr val="00B050"/>
+            </a:solidFill>
+          </a:ln>
+        </p:spPr>
+        <p:style>
+          <a:lnRef idx="1">
+            <a:schemeClr val="accent1"/>
+          </a:lnRef>
+          <a:fillRef idx="0">
+            <a:schemeClr val="accent1"/>
+          </a:fillRef>
+          <a:effectRef idx="0">
+            <a:schemeClr val="accent1"/>
+          </a:effectRef>
+          <a:fontRef idx="minor">
+            <a:schemeClr val="tx1"/>
+          </a:fontRef>
+        </p:style>
+      </p:cxnSp>
+      <p:cxnSp>
+        <p:nvCxnSpPr>
+          <p:cNvPr id="6" name="직선 연결선 5">
+            <a:extLst>
+              <a:ext uri="{FF2B5EF4-FFF2-40B4-BE49-F238E27FC236}">
+                <a16:creationId xmlns:a16="http://schemas.microsoft.com/office/drawing/2014/main" id="{577B339E-17EB-42E4-BBFC-D577557E09E4}"/>
+              </a:ext>
+            </a:extLst>
+          </p:cNvPr>
+          <p:cNvCxnSpPr>
+            <a:cxnSpLocks/>
+          </p:cNvCxnSpPr>
+          <p:nvPr/>
+        </p:nvCxnSpPr>
+        <p:spPr>
+          <a:xfrm flipH="1">
+            <a:off x="6078085" y="786152"/>
+            <a:ext cx="468103" cy="799025"/>
+          </a:xfrm>
+          <a:prstGeom prst="line">
+            <a:avLst/>
+          </a:prstGeom>
+          <a:ln w="38100">
+            <a:solidFill>
+              <a:srgbClr val="00B050"/>
+            </a:solidFill>
+          </a:ln>
+        </p:spPr>
+        <p:style>
+          <a:lnRef idx="1">
+            <a:schemeClr val="accent1"/>
+          </a:lnRef>
+          <a:fillRef idx="0">
+            <a:schemeClr val="accent1"/>
+          </a:fillRef>
+          <a:effectRef idx="0">
+            <a:schemeClr val="accent1"/>
+          </a:effectRef>
+          <a:fontRef idx="minor">
+            <a:schemeClr val="tx1"/>
+          </a:fontRef>
+        </p:style>
+      </p:cxnSp>
     </p:spTree>
     <p:extLst>
       <p:ext uri="{BB962C8B-B14F-4D97-AF65-F5344CB8AC3E}">
@@ -6155,6 +10190,131 @@
           </a:p>
         </p:txBody>
       </p:sp>
+      <p:cxnSp>
+        <p:nvCxnSpPr>
+          <p:cNvPr id="4" name="직선 연결선 3">
+            <a:extLst>
+              <a:ext uri="{FF2B5EF4-FFF2-40B4-BE49-F238E27FC236}">
+                <a16:creationId xmlns:a16="http://schemas.microsoft.com/office/drawing/2014/main" id="{3F9ADAB4-A5D2-44A4-95B6-65C076686515}"/>
+              </a:ext>
+            </a:extLst>
+          </p:cNvPr>
+          <p:cNvCxnSpPr>
+            <a:cxnSpLocks/>
+          </p:cNvCxnSpPr>
+          <p:nvPr/>
+        </p:nvCxnSpPr>
+        <p:spPr>
+          <a:xfrm>
+            <a:off x="614801" y="1690688"/>
+            <a:ext cx="11180120" cy="0"/>
+          </a:xfrm>
+          <a:prstGeom prst="line">
+            <a:avLst/>
+          </a:prstGeom>
+          <a:ln w="38100"/>
+        </p:spPr>
+        <p:style>
+          <a:lnRef idx="1">
+            <a:schemeClr val="accent1"/>
+          </a:lnRef>
+          <a:fillRef idx="0">
+            <a:schemeClr val="accent1"/>
+          </a:fillRef>
+          <a:effectRef idx="0">
+            <a:schemeClr val="accent1"/>
+          </a:effectRef>
+          <a:fontRef idx="minor">
+            <a:schemeClr val="tx1"/>
+          </a:fontRef>
+        </p:style>
+      </p:cxnSp>
+      <p:cxnSp>
+        <p:nvCxnSpPr>
+          <p:cNvPr id="5" name="직선 연결선 4">
+            <a:extLst>
+              <a:ext uri="{FF2B5EF4-FFF2-40B4-BE49-F238E27FC236}">
+                <a16:creationId xmlns:a16="http://schemas.microsoft.com/office/drawing/2014/main" id="{3FC81A29-0FB9-477F-AF90-732B3B842A53}"/>
+              </a:ext>
+            </a:extLst>
+          </p:cNvPr>
+          <p:cNvCxnSpPr>
+            <a:cxnSpLocks/>
+          </p:cNvCxnSpPr>
+          <p:nvPr/>
+        </p:nvCxnSpPr>
+        <p:spPr>
+          <a:xfrm flipH="1">
+            <a:off x="214925" y="1536554"/>
+            <a:ext cx="652945" cy="1114542"/>
+          </a:xfrm>
+          <a:prstGeom prst="line">
+            <a:avLst/>
+          </a:prstGeom>
+          <a:ln w="38100">
+            <a:solidFill>
+              <a:srgbClr val="00B050"/>
+            </a:solidFill>
+          </a:ln>
+        </p:spPr>
+        <p:style>
+          <a:lnRef idx="1">
+            <a:schemeClr val="accent1"/>
+          </a:lnRef>
+          <a:fillRef idx="0">
+            <a:schemeClr val="accent1"/>
+          </a:fillRef>
+          <a:effectRef idx="0">
+            <a:schemeClr val="accent1"/>
+          </a:effectRef>
+          <a:fontRef idx="minor">
+            <a:schemeClr val="tx1"/>
+          </a:fontRef>
+        </p:style>
+      </p:cxnSp>
+      <p:cxnSp>
+        <p:nvCxnSpPr>
+          <p:cNvPr id="6" name="직선 연결선 5">
+            <a:extLst>
+              <a:ext uri="{FF2B5EF4-FFF2-40B4-BE49-F238E27FC236}">
+                <a16:creationId xmlns:a16="http://schemas.microsoft.com/office/drawing/2014/main" id="{672C5A68-FB4E-4462-B43F-3C31ACB9BC31}"/>
+              </a:ext>
+            </a:extLst>
+          </p:cNvPr>
+          <p:cNvCxnSpPr>
+            <a:cxnSpLocks/>
+          </p:cNvCxnSpPr>
+          <p:nvPr/>
+        </p:nvCxnSpPr>
+        <p:spPr>
+          <a:xfrm flipH="1">
+            <a:off x="11480724" y="791244"/>
+            <a:ext cx="652945" cy="1114542"/>
+          </a:xfrm>
+          <a:prstGeom prst="line">
+            <a:avLst/>
+          </a:prstGeom>
+          <a:ln w="38100">
+            <a:solidFill>
+              <a:srgbClr val="00B050"/>
+            </a:solidFill>
+          </a:ln>
+        </p:spPr>
+        <p:style>
+          <a:lnRef idx="1">
+            <a:schemeClr val="accent1"/>
+          </a:lnRef>
+          <a:fillRef idx="0">
+            <a:schemeClr val="accent1"/>
+          </a:fillRef>
+          <a:effectRef idx="0">
+            <a:schemeClr val="accent1"/>
+          </a:effectRef>
+          <a:fontRef idx="minor">
+            <a:schemeClr val="tx1"/>
+          </a:fontRef>
+        </p:style>
+      </p:cxnSp>
     </p:spTree>
     <p:extLst>
       <p:ext uri="{BB962C8B-B14F-4D97-AF65-F5344CB8AC3E}">
@@ -6375,6 +10535,131 @@
           </a:p>
         </p:txBody>
       </p:sp>
+      <p:cxnSp>
+        <p:nvCxnSpPr>
+          <p:cNvPr id="4" name="직선 연결선 3">
+            <a:extLst>
+              <a:ext uri="{FF2B5EF4-FFF2-40B4-BE49-F238E27FC236}">
+                <a16:creationId xmlns:a16="http://schemas.microsoft.com/office/drawing/2014/main" id="{ECCA8338-C875-4E75-ADC4-80EDA9DB191B}"/>
+              </a:ext>
+            </a:extLst>
+          </p:cNvPr>
+          <p:cNvCxnSpPr>
+            <a:cxnSpLocks/>
+          </p:cNvCxnSpPr>
+          <p:nvPr/>
+        </p:nvCxnSpPr>
+        <p:spPr>
+          <a:xfrm>
+            <a:off x="614801" y="1690688"/>
+            <a:ext cx="11180120" cy="0"/>
+          </a:xfrm>
+          <a:prstGeom prst="line">
+            <a:avLst/>
+          </a:prstGeom>
+          <a:ln w="38100"/>
+        </p:spPr>
+        <p:style>
+          <a:lnRef idx="1">
+            <a:schemeClr val="accent1"/>
+          </a:lnRef>
+          <a:fillRef idx="0">
+            <a:schemeClr val="accent1"/>
+          </a:fillRef>
+          <a:effectRef idx="0">
+            <a:schemeClr val="accent1"/>
+          </a:effectRef>
+          <a:fontRef idx="minor">
+            <a:schemeClr val="tx1"/>
+          </a:fontRef>
+        </p:style>
+      </p:cxnSp>
+      <p:cxnSp>
+        <p:nvCxnSpPr>
+          <p:cNvPr id="5" name="직선 연결선 4">
+            <a:extLst>
+              <a:ext uri="{FF2B5EF4-FFF2-40B4-BE49-F238E27FC236}">
+                <a16:creationId xmlns:a16="http://schemas.microsoft.com/office/drawing/2014/main" id="{395FFE85-7329-4556-AB03-4F2C1AF03987}"/>
+              </a:ext>
+            </a:extLst>
+          </p:cNvPr>
+          <p:cNvCxnSpPr>
+            <a:cxnSpLocks/>
+          </p:cNvCxnSpPr>
+          <p:nvPr/>
+        </p:nvCxnSpPr>
+        <p:spPr>
+          <a:xfrm flipH="1">
+            <a:off x="214925" y="1536554"/>
+            <a:ext cx="652945" cy="1114542"/>
+          </a:xfrm>
+          <a:prstGeom prst="line">
+            <a:avLst/>
+          </a:prstGeom>
+          <a:ln w="38100">
+            <a:solidFill>
+              <a:srgbClr val="00B050"/>
+            </a:solidFill>
+          </a:ln>
+        </p:spPr>
+        <p:style>
+          <a:lnRef idx="1">
+            <a:schemeClr val="accent1"/>
+          </a:lnRef>
+          <a:fillRef idx="0">
+            <a:schemeClr val="accent1"/>
+          </a:fillRef>
+          <a:effectRef idx="0">
+            <a:schemeClr val="accent1"/>
+          </a:effectRef>
+          <a:fontRef idx="minor">
+            <a:schemeClr val="tx1"/>
+          </a:fontRef>
+        </p:style>
+      </p:cxnSp>
+      <p:cxnSp>
+        <p:nvCxnSpPr>
+          <p:cNvPr id="6" name="직선 연결선 5">
+            <a:extLst>
+              <a:ext uri="{FF2B5EF4-FFF2-40B4-BE49-F238E27FC236}">
+                <a16:creationId xmlns:a16="http://schemas.microsoft.com/office/drawing/2014/main" id="{7B4350AC-8735-480A-BD7C-3BBBBB4949CB}"/>
+              </a:ext>
+            </a:extLst>
+          </p:cNvPr>
+          <p:cNvCxnSpPr>
+            <a:cxnSpLocks/>
+          </p:cNvCxnSpPr>
+          <p:nvPr/>
+        </p:nvCxnSpPr>
+        <p:spPr>
+          <a:xfrm flipH="1">
+            <a:off x="11480724" y="791244"/>
+            <a:ext cx="652945" cy="1114542"/>
+          </a:xfrm>
+          <a:prstGeom prst="line">
+            <a:avLst/>
+          </a:prstGeom>
+          <a:ln w="38100">
+            <a:solidFill>
+              <a:srgbClr val="00B050"/>
+            </a:solidFill>
+          </a:ln>
+        </p:spPr>
+        <p:style>
+          <a:lnRef idx="1">
+            <a:schemeClr val="accent1"/>
+          </a:lnRef>
+          <a:fillRef idx="0">
+            <a:schemeClr val="accent1"/>
+          </a:fillRef>
+          <a:effectRef idx="0">
+            <a:schemeClr val="accent1"/>
+          </a:effectRef>
+          <a:fontRef idx="minor">
+            <a:schemeClr val="tx1"/>
+          </a:fontRef>
+        </p:style>
+      </p:cxnSp>
     </p:spTree>
     <p:extLst>
       <p:ext uri="{BB962C8B-B14F-4D97-AF65-F5344CB8AC3E}">
@@ -6532,12 +10817,8 @@
           <a:p>
             <a:pPr lvl="1"/>
             <a:r>
-              <a:rPr lang="ko-KR" altLang="en-US" dirty="0" err="1"/>
-              <a:t>명령행</a:t>
-            </a:r>
-            <a:r>
               <a:rPr lang="ko-KR" altLang="en-US" dirty="0"/>
-              <a:t> 모드</a:t>
+              <a:t>명령행 모드</a:t>
             </a:r>
             <a:r>
               <a:rPr lang="en-US" altLang="ko-KR" dirty="0"/>
@@ -6577,6 +10858,131 @@
           </a:p>
         </p:txBody>
       </p:sp>
+      <p:cxnSp>
+        <p:nvCxnSpPr>
+          <p:cNvPr id="4" name="직선 연결선 3">
+            <a:extLst>
+              <a:ext uri="{FF2B5EF4-FFF2-40B4-BE49-F238E27FC236}">
+                <a16:creationId xmlns:a16="http://schemas.microsoft.com/office/drawing/2014/main" id="{9A4D7B4C-05A0-455C-B322-AE4D0E4D9F01}"/>
+              </a:ext>
+            </a:extLst>
+          </p:cNvPr>
+          <p:cNvCxnSpPr>
+            <a:cxnSpLocks/>
+          </p:cNvCxnSpPr>
+          <p:nvPr/>
+        </p:nvCxnSpPr>
+        <p:spPr>
+          <a:xfrm>
+            <a:off x="614801" y="1690688"/>
+            <a:ext cx="11180120" cy="0"/>
+          </a:xfrm>
+          <a:prstGeom prst="line">
+            <a:avLst/>
+          </a:prstGeom>
+          <a:ln w="38100"/>
+        </p:spPr>
+        <p:style>
+          <a:lnRef idx="1">
+            <a:schemeClr val="accent1"/>
+          </a:lnRef>
+          <a:fillRef idx="0">
+            <a:schemeClr val="accent1"/>
+          </a:fillRef>
+          <a:effectRef idx="0">
+            <a:schemeClr val="accent1"/>
+          </a:effectRef>
+          <a:fontRef idx="minor">
+            <a:schemeClr val="tx1"/>
+          </a:fontRef>
+        </p:style>
+      </p:cxnSp>
+      <p:cxnSp>
+        <p:nvCxnSpPr>
+          <p:cNvPr id="5" name="직선 연결선 4">
+            <a:extLst>
+              <a:ext uri="{FF2B5EF4-FFF2-40B4-BE49-F238E27FC236}">
+                <a16:creationId xmlns:a16="http://schemas.microsoft.com/office/drawing/2014/main" id="{9F8A4796-3A35-40EC-92F4-532B4EDB2A60}"/>
+              </a:ext>
+            </a:extLst>
+          </p:cNvPr>
+          <p:cNvCxnSpPr>
+            <a:cxnSpLocks/>
+          </p:cNvCxnSpPr>
+          <p:nvPr/>
+        </p:nvCxnSpPr>
+        <p:spPr>
+          <a:xfrm flipH="1">
+            <a:off x="214925" y="1536554"/>
+            <a:ext cx="652945" cy="1114542"/>
+          </a:xfrm>
+          <a:prstGeom prst="line">
+            <a:avLst/>
+          </a:prstGeom>
+          <a:ln w="38100">
+            <a:solidFill>
+              <a:srgbClr val="00B050"/>
+            </a:solidFill>
+          </a:ln>
+        </p:spPr>
+        <p:style>
+          <a:lnRef idx="1">
+            <a:schemeClr val="accent1"/>
+          </a:lnRef>
+          <a:fillRef idx="0">
+            <a:schemeClr val="accent1"/>
+          </a:fillRef>
+          <a:effectRef idx="0">
+            <a:schemeClr val="accent1"/>
+          </a:effectRef>
+          <a:fontRef idx="minor">
+            <a:schemeClr val="tx1"/>
+          </a:fontRef>
+        </p:style>
+      </p:cxnSp>
+      <p:cxnSp>
+        <p:nvCxnSpPr>
+          <p:cNvPr id="6" name="직선 연결선 5">
+            <a:extLst>
+              <a:ext uri="{FF2B5EF4-FFF2-40B4-BE49-F238E27FC236}">
+                <a16:creationId xmlns:a16="http://schemas.microsoft.com/office/drawing/2014/main" id="{99D1540A-EBD6-41D4-8DA6-5C4E47F7B0A6}"/>
+              </a:ext>
+            </a:extLst>
+          </p:cNvPr>
+          <p:cNvCxnSpPr>
+            <a:cxnSpLocks/>
+          </p:cNvCxnSpPr>
+          <p:nvPr/>
+        </p:nvCxnSpPr>
+        <p:spPr>
+          <a:xfrm flipH="1">
+            <a:off x="11480724" y="791244"/>
+            <a:ext cx="652945" cy="1114542"/>
+          </a:xfrm>
+          <a:prstGeom prst="line">
+            <a:avLst/>
+          </a:prstGeom>
+          <a:ln w="38100">
+            <a:solidFill>
+              <a:srgbClr val="00B050"/>
+            </a:solidFill>
+          </a:ln>
+        </p:spPr>
+        <p:style>
+          <a:lnRef idx="1">
+            <a:schemeClr val="accent1"/>
+          </a:lnRef>
+          <a:fillRef idx="0">
+            <a:schemeClr val="accent1"/>
+          </a:fillRef>
+          <a:effectRef idx="0">
+            <a:schemeClr val="accent1"/>
+          </a:effectRef>
+          <a:fontRef idx="minor">
+            <a:schemeClr val="tx1"/>
+          </a:fontRef>
+        </p:style>
+      </p:cxnSp>
     </p:spTree>
     <p:extLst>
       <p:ext uri="{BB962C8B-B14F-4D97-AF65-F5344CB8AC3E}">
@@ -6748,8 +11154,8 @@
         </p:nvGrpSpPr>
         <p:grpSpPr>
           <a:xfrm>
-            <a:off x="7611698" y="1690688"/>
-            <a:ext cx="3562350" cy="4381500"/>
+            <a:off x="7611698" y="1905786"/>
+            <a:ext cx="3562350" cy="4166402"/>
             <a:chOff x="6948968" y="1422240"/>
             <a:chExt cx="3562350" cy="4381500"/>
           </a:xfrm>
@@ -6853,6 +11259,131 @@
           </p:txBody>
         </p:sp>
       </p:grpSp>
+      <p:cxnSp>
+        <p:nvCxnSpPr>
+          <p:cNvPr id="7" name="직선 연결선 6">
+            <a:extLst>
+              <a:ext uri="{FF2B5EF4-FFF2-40B4-BE49-F238E27FC236}">
+                <a16:creationId xmlns:a16="http://schemas.microsoft.com/office/drawing/2014/main" id="{F46ED405-4AA7-44B2-A2AC-8C38B03A16D8}"/>
+              </a:ext>
+            </a:extLst>
+          </p:cNvPr>
+          <p:cNvCxnSpPr>
+            <a:cxnSpLocks/>
+          </p:cNvCxnSpPr>
+          <p:nvPr/>
+        </p:nvCxnSpPr>
+        <p:spPr>
+          <a:xfrm>
+            <a:off x="614801" y="1690688"/>
+            <a:ext cx="11180120" cy="0"/>
+          </a:xfrm>
+          <a:prstGeom prst="line">
+            <a:avLst/>
+          </a:prstGeom>
+          <a:ln w="38100"/>
+        </p:spPr>
+        <p:style>
+          <a:lnRef idx="1">
+            <a:schemeClr val="accent1"/>
+          </a:lnRef>
+          <a:fillRef idx="0">
+            <a:schemeClr val="accent1"/>
+          </a:fillRef>
+          <a:effectRef idx="0">
+            <a:schemeClr val="accent1"/>
+          </a:effectRef>
+          <a:fontRef idx="minor">
+            <a:schemeClr val="tx1"/>
+          </a:fontRef>
+        </p:style>
+      </p:cxnSp>
+      <p:cxnSp>
+        <p:nvCxnSpPr>
+          <p:cNvPr id="8" name="직선 연결선 7">
+            <a:extLst>
+              <a:ext uri="{FF2B5EF4-FFF2-40B4-BE49-F238E27FC236}">
+                <a16:creationId xmlns:a16="http://schemas.microsoft.com/office/drawing/2014/main" id="{9A6247E8-B208-4C68-AA55-ECD6CCD48990}"/>
+              </a:ext>
+            </a:extLst>
+          </p:cNvPr>
+          <p:cNvCxnSpPr>
+            <a:cxnSpLocks/>
+          </p:cNvCxnSpPr>
+          <p:nvPr/>
+        </p:nvCxnSpPr>
+        <p:spPr>
+          <a:xfrm flipH="1">
+            <a:off x="214925" y="1536554"/>
+            <a:ext cx="652945" cy="1114542"/>
+          </a:xfrm>
+          <a:prstGeom prst="line">
+            <a:avLst/>
+          </a:prstGeom>
+          <a:ln w="38100">
+            <a:solidFill>
+              <a:srgbClr val="00B050"/>
+            </a:solidFill>
+          </a:ln>
+        </p:spPr>
+        <p:style>
+          <a:lnRef idx="1">
+            <a:schemeClr val="accent1"/>
+          </a:lnRef>
+          <a:fillRef idx="0">
+            <a:schemeClr val="accent1"/>
+          </a:fillRef>
+          <a:effectRef idx="0">
+            <a:schemeClr val="accent1"/>
+          </a:effectRef>
+          <a:fontRef idx="minor">
+            <a:schemeClr val="tx1"/>
+          </a:fontRef>
+        </p:style>
+      </p:cxnSp>
+      <p:cxnSp>
+        <p:nvCxnSpPr>
+          <p:cNvPr id="9" name="직선 연결선 8">
+            <a:extLst>
+              <a:ext uri="{FF2B5EF4-FFF2-40B4-BE49-F238E27FC236}">
+                <a16:creationId xmlns:a16="http://schemas.microsoft.com/office/drawing/2014/main" id="{6EA7BF15-091B-4A48-9F21-98483ADDCF1F}"/>
+              </a:ext>
+            </a:extLst>
+          </p:cNvPr>
+          <p:cNvCxnSpPr>
+            <a:cxnSpLocks/>
+          </p:cNvCxnSpPr>
+          <p:nvPr/>
+        </p:nvCxnSpPr>
+        <p:spPr>
+          <a:xfrm flipH="1">
+            <a:off x="11480724" y="791244"/>
+            <a:ext cx="652945" cy="1114542"/>
+          </a:xfrm>
+          <a:prstGeom prst="line">
+            <a:avLst/>
+          </a:prstGeom>
+          <a:ln w="38100">
+            <a:solidFill>
+              <a:srgbClr val="00B050"/>
+            </a:solidFill>
+          </a:ln>
+        </p:spPr>
+        <p:style>
+          <a:lnRef idx="1">
+            <a:schemeClr val="accent1"/>
+          </a:lnRef>
+          <a:fillRef idx="0">
+            <a:schemeClr val="accent1"/>
+          </a:fillRef>
+          <a:effectRef idx="0">
+            <a:schemeClr val="accent1"/>
+          </a:effectRef>
+          <a:fontRef idx="minor">
+            <a:schemeClr val="tx1"/>
+          </a:fontRef>
+        </p:style>
+      </p:cxnSp>
     </p:spTree>
     <p:extLst>
       <p:ext uri="{BB962C8B-B14F-4D97-AF65-F5344CB8AC3E}">
@@ -7088,6 +11619,131 @@
           </a:p>
         </p:txBody>
       </p:sp>
+      <p:cxnSp>
+        <p:nvCxnSpPr>
+          <p:cNvPr id="7" name="직선 연결선 6">
+            <a:extLst>
+              <a:ext uri="{FF2B5EF4-FFF2-40B4-BE49-F238E27FC236}">
+                <a16:creationId xmlns:a16="http://schemas.microsoft.com/office/drawing/2014/main" id="{C2459188-DD33-4318-8845-D74F434EEB0E}"/>
+              </a:ext>
+            </a:extLst>
+          </p:cNvPr>
+          <p:cNvCxnSpPr>
+            <a:cxnSpLocks/>
+          </p:cNvCxnSpPr>
+          <p:nvPr/>
+        </p:nvCxnSpPr>
+        <p:spPr>
+          <a:xfrm>
+            <a:off x="614801" y="1690688"/>
+            <a:ext cx="11180120" cy="0"/>
+          </a:xfrm>
+          <a:prstGeom prst="line">
+            <a:avLst/>
+          </a:prstGeom>
+          <a:ln w="38100"/>
+        </p:spPr>
+        <p:style>
+          <a:lnRef idx="1">
+            <a:schemeClr val="accent1"/>
+          </a:lnRef>
+          <a:fillRef idx="0">
+            <a:schemeClr val="accent1"/>
+          </a:fillRef>
+          <a:effectRef idx="0">
+            <a:schemeClr val="accent1"/>
+          </a:effectRef>
+          <a:fontRef idx="minor">
+            <a:schemeClr val="tx1"/>
+          </a:fontRef>
+        </p:style>
+      </p:cxnSp>
+      <p:cxnSp>
+        <p:nvCxnSpPr>
+          <p:cNvPr id="8" name="직선 연결선 7">
+            <a:extLst>
+              <a:ext uri="{FF2B5EF4-FFF2-40B4-BE49-F238E27FC236}">
+                <a16:creationId xmlns:a16="http://schemas.microsoft.com/office/drawing/2014/main" id="{7E1D01D5-24B8-4DE5-BF95-86BF1E523050}"/>
+              </a:ext>
+            </a:extLst>
+          </p:cNvPr>
+          <p:cNvCxnSpPr>
+            <a:cxnSpLocks/>
+          </p:cNvCxnSpPr>
+          <p:nvPr/>
+        </p:nvCxnSpPr>
+        <p:spPr>
+          <a:xfrm flipH="1">
+            <a:off x="214925" y="1536554"/>
+            <a:ext cx="652945" cy="1114542"/>
+          </a:xfrm>
+          <a:prstGeom prst="line">
+            <a:avLst/>
+          </a:prstGeom>
+          <a:ln w="38100">
+            <a:solidFill>
+              <a:srgbClr val="00B050"/>
+            </a:solidFill>
+          </a:ln>
+        </p:spPr>
+        <p:style>
+          <a:lnRef idx="1">
+            <a:schemeClr val="accent1"/>
+          </a:lnRef>
+          <a:fillRef idx="0">
+            <a:schemeClr val="accent1"/>
+          </a:fillRef>
+          <a:effectRef idx="0">
+            <a:schemeClr val="accent1"/>
+          </a:effectRef>
+          <a:fontRef idx="minor">
+            <a:schemeClr val="tx1"/>
+          </a:fontRef>
+        </p:style>
+      </p:cxnSp>
+      <p:cxnSp>
+        <p:nvCxnSpPr>
+          <p:cNvPr id="9" name="직선 연결선 8">
+            <a:extLst>
+              <a:ext uri="{FF2B5EF4-FFF2-40B4-BE49-F238E27FC236}">
+                <a16:creationId xmlns:a16="http://schemas.microsoft.com/office/drawing/2014/main" id="{D803293C-8783-4E11-8D98-42D8663502B0}"/>
+              </a:ext>
+            </a:extLst>
+          </p:cNvPr>
+          <p:cNvCxnSpPr>
+            <a:cxnSpLocks/>
+          </p:cNvCxnSpPr>
+          <p:nvPr/>
+        </p:nvCxnSpPr>
+        <p:spPr>
+          <a:xfrm flipH="1">
+            <a:off x="11480724" y="791244"/>
+            <a:ext cx="652945" cy="1114542"/>
+          </a:xfrm>
+          <a:prstGeom prst="line">
+            <a:avLst/>
+          </a:prstGeom>
+          <a:ln w="38100">
+            <a:solidFill>
+              <a:srgbClr val="00B050"/>
+            </a:solidFill>
+          </a:ln>
+        </p:spPr>
+        <p:style>
+          <a:lnRef idx="1">
+            <a:schemeClr val="accent1"/>
+          </a:lnRef>
+          <a:fillRef idx="0">
+            <a:schemeClr val="accent1"/>
+          </a:fillRef>
+          <a:effectRef idx="0">
+            <a:schemeClr val="accent1"/>
+          </a:effectRef>
+          <a:fontRef idx="minor">
+            <a:schemeClr val="tx1"/>
+          </a:fontRef>
+        </p:style>
+      </p:cxnSp>
     </p:spTree>
     <p:extLst>
       <p:ext uri="{BB962C8B-B14F-4D97-AF65-F5344CB8AC3E}">
@@ -7299,6 +11955,131 @@
           </a:p>
         </p:txBody>
       </p:sp>
+      <p:cxnSp>
+        <p:nvCxnSpPr>
+          <p:cNvPr id="7" name="직선 연결선 6">
+            <a:extLst>
+              <a:ext uri="{FF2B5EF4-FFF2-40B4-BE49-F238E27FC236}">
+                <a16:creationId xmlns:a16="http://schemas.microsoft.com/office/drawing/2014/main" id="{988C8C64-20EC-4B21-BCE2-A56992FA8985}"/>
+              </a:ext>
+            </a:extLst>
+          </p:cNvPr>
+          <p:cNvCxnSpPr>
+            <a:cxnSpLocks/>
+          </p:cNvCxnSpPr>
+          <p:nvPr/>
+        </p:nvCxnSpPr>
+        <p:spPr>
+          <a:xfrm>
+            <a:off x="614801" y="1690688"/>
+            <a:ext cx="11180120" cy="0"/>
+          </a:xfrm>
+          <a:prstGeom prst="line">
+            <a:avLst/>
+          </a:prstGeom>
+          <a:ln w="38100"/>
+        </p:spPr>
+        <p:style>
+          <a:lnRef idx="1">
+            <a:schemeClr val="accent1"/>
+          </a:lnRef>
+          <a:fillRef idx="0">
+            <a:schemeClr val="accent1"/>
+          </a:fillRef>
+          <a:effectRef idx="0">
+            <a:schemeClr val="accent1"/>
+          </a:effectRef>
+          <a:fontRef idx="minor">
+            <a:schemeClr val="tx1"/>
+          </a:fontRef>
+        </p:style>
+      </p:cxnSp>
+      <p:cxnSp>
+        <p:nvCxnSpPr>
+          <p:cNvPr id="8" name="직선 연결선 7">
+            <a:extLst>
+              <a:ext uri="{FF2B5EF4-FFF2-40B4-BE49-F238E27FC236}">
+                <a16:creationId xmlns:a16="http://schemas.microsoft.com/office/drawing/2014/main" id="{27480273-67EA-4F97-A854-F308387486B6}"/>
+              </a:ext>
+            </a:extLst>
+          </p:cNvPr>
+          <p:cNvCxnSpPr>
+            <a:cxnSpLocks/>
+          </p:cNvCxnSpPr>
+          <p:nvPr/>
+        </p:nvCxnSpPr>
+        <p:spPr>
+          <a:xfrm flipH="1">
+            <a:off x="214925" y="1536554"/>
+            <a:ext cx="652945" cy="1114542"/>
+          </a:xfrm>
+          <a:prstGeom prst="line">
+            <a:avLst/>
+          </a:prstGeom>
+          <a:ln w="38100">
+            <a:solidFill>
+              <a:srgbClr val="00B050"/>
+            </a:solidFill>
+          </a:ln>
+        </p:spPr>
+        <p:style>
+          <a:lnRef idx="1">
+            <a:schemeClr val="accent1"/>
+          </a:lnRef>
+          <a:fillRef idx="0">
+            <a:schemeClr val="accent1"/>
+          </a:fillRef>
+          <a:effectRef idx="0">
+            <a:schemeClr val="accent1"/>
+          </a:effectRef>
+          <a:fontRef idx="minor">
+            <a:schemeClr val="tx1"/>
+          </a:fontRef>
+        </p:style>
+      </p:cxnSp>
+      <p:cxnSp>
+        <p:nvCxnSpPr>
+          <p:cNvPr id="9" name="직선 연결선 8">
+            <a:extLst>
+              <a:ext uri="{FF2B5EF4-FFF2-40B4-BE49-F238E27FC236}">
+                <a16:creationId xmlns:a16="http://schemas.microsoft.com/office/drawing/2014/main" id="{D3D52250-C7CE-4009-81B9-ACD24D56B3A3}"/>
+              </a:ext>
+            </a:extLst>
+          </p:cNvPr>
+          <p:cNvCxnSpPr>
+            <a:cxnSpLocks/>
+          </p:cNvCxnSpPr>
+          <p:nvPr/>
+        </p:nvCxnSpPr>
+        <p:spPr>
+          <a:xfrm flipH="1">
+            <a:off x="11480724" y="791244"/>
+            <a:ext cx="652945" cy="1114542"/>
+          </a:xfrm>
+          <a:prstGeom prst="line">
+            <a:avLst/>
+          </a:prstGeom>
+          <a:ln w="38100">
+            <a:solidFill>
+              <a:srgbClr val="00B050"/>
+            </a:solidFill>
+          </a:ln>
+        </p:spPr>
+        <p:style>
+          <a:lnRef idx="1">
+            <a:schemeClr val="accent1"/>
+          </a:lnRef>
+          <a:fillRef idx="0">
+            <a:schemeClr val="accent1"/>
+          </a:fillRef>
+          <a:effectRef idx="0">
+            <a:schemeClr val="accent1"/>
+          </a:effectRef>
+          <a:fontRef idx="minor">
+            <a:schemeClr val="tx1"/>
+          </a:fontRef>
+        </p:style>
+      </p:cxnSp>
     </p:spTree>
     <p:extLst>
       <p:ext uri="{BB962C8B-B14F-4D97-AF65-F5344CB8AC3E}">
@@ -7520,6 +12301,131 @@
           </a:p>
         </p:txBody>
       </p:sp>
+      <p:cxnSp>
+        <p:nvCxnSpPr>
+          <p:cNvPr id="7" name="직선 연결선 6">
+            <a:extLst>
+              <a:ext uri="{FF2B5EF4-FFF2-40B4-BE49-F238E27FC236}">
+                <a16:creationId xmlns:a16="http://schemas.microsoft.com/office/drawing/2014/main" id="{07F9ECA4-9D8A-474C-9CE2-61C5D9D6EE85}"/>
+              </a:ext>
+            </a:extLst>
+          </p:cNvPr>
+          <p:cNvCxnSpPr>
+            <a:cxnSpLocks/>
+          </p:cNvCxnSpPr>
+          <p:nvPr/>
+        </p:nvCxnSpPr>
+        <p:spPr>
+          <a:xfrm>
+            <a:off x="614801" y="1690688"/>
+            <a:ext cx="11180120" cy="0"/>
+          </a:xfrm>
+          <a:prstGeom prst="line">
+            <a:avLst/>
+          </a:prstGeom>
+          <a:ln w="38100"/>
+        </p:spPr>
+        <p:style>
+          <a:lnRef idx="1">
+            <a:schemeClr val="accent1"/>
+          </a:lnRef>
+          <a:fillRef idx="0">
+            <a:schemeClr val="accent1"/>
+          </a:fillRef>
+          <a:effectRef idx="0">
+            <a:schemeClr val="accent1"/>
+          </a:effectRef>
+          <a:fontRef idx="minor">
+            <a:schemeClr val="tx1"/>
+          </a:fontRef>
+        </p:style>
+      </p:cxnSp>
+      <p:cxnSp>
+        <p:nvCxnSpPr>
+          <p:cNvPr id="8" name="직선 연결선 7">
+            <a:extLst>
+              <a:ext uri="{FF2B5EF4-FFF2-40B4-BE49-F238E27FC236}">
+                <a16:creationId xmlns:a16="http://schemas.microsoft.com/office/drawing/2014/main" id="{EEC9C5EE-7633-40CA-A805-CF7669C25DDA}"/>
+              </a:ext>
+            </a:extLst>
+          </p:cNvPr>
+          <p:cNvCxnSpPr>
+            <a:cxnSpLocks/>
+          </p:cNvCxnSpPr>
+          <p:nvPr/>
+        </p:nvCxnSpPr>
+        <p:spPr>
+          <a:xfrm flipH="1">
+            <a:off x="214925" y="1536554"/>
+            <a:ext cx="652945" cy="1114542"/>
+          </a:xfrm>
+          <a:prstGeom prst="line">
+            <a:avLst/>
+          </a:prstGeom>
+          <a:ln w="38100">
+            <a:solidFill>
+              <a:srgbClr val="00B050"/>
+            </a:solidFill>
+          </a:ln>
+        </p:spPr>
+        <p:style>
+          <a:lnRef idx="1">
+            <a:schemeClr val="accent1"/>
+          </a:lnRef>
+          <a:fillRef idx="0">
+            <a:schemeClr val="accent1"/>
+          </a:fillRef>
+          <a:effectRef idx="0">
+            <a:schemeClr val="accent1"/>
+          </a:effectRef>
+          <a:fontRef idx="minor">
+            <a:schemeClr val="tx1"/>
+          </a:fontRef>
+        </p:style>
+      </p:cxnSp>
+      <p:cxnSp>
+        <p:nvCxnSpPr>
+          <p:cNvPr id="9" name="직선 연결선 8">
+            <a:extLst>
+              <a:ext uri="{FF2B5EF4-FFF2-40B4-BE49-F238E27FC236}">
+                <a16:creationId xmlns:a16="http://schemas.microsoft.com/office/drawing/2014/main" id="{43A2EE38-F040-4B06-A625-C6A4BEB1CF4F}"/>
+              </a:ext>
+            </a:extLst>
+          </p:cNvPr>
+          <p:cNvCxnSpPr>
+            <a:cxnSpLocks/>
+          </p:cNvCxnSpPr>
+          <p:nvPr/>
+        </p:nvCxnSpPr>
+        <p:spPr>
+          <a:xfrm flipH="1">
+            <a:off x="11480724" y="791244"/>
+            <a:ext cx="652945" cy="1114542"/>
+          </a:xfrm>
+          <a:prstGeom prst="line">
+            <a:avLst/>
+          </a:prstGeom>
+          <a:ln w="38100">
+            <a:solidFill>
+              <a:srgbClr val="00B050"/>
+            </a:solidFill>
+          </a:ln>
+        </p:spPr>
+        <p:style>
+          <a:lnRef idx="1">
+            <a:schemeClr val="accent1"/>
+          </a:lnRef>
+          <a:fillRef idx="0">
+            <a:schemeClr val="accent1"/>
+          </a:fillRef>
+          <a:effectRef idx="0">
+            <a:schemeClr val="accent1"/>
+          </a:effectRef>
+          <a:fontRef idx="minor">
+            <a:schemeClr val="tx1"/>
+          </a:fontRef>
+        </p:style>
+      </p:cxnSp>
     </p:spTree>
     <p:extLst>
       <p:ext uri="{BB962C8B-B14F-4D97-AF65-F5344CB8AC3E}">
